--- a/УП/Документы/УП Презентация.pptx
+++ b/УП/Документы/УП Презентация.pptx
@@ -7,10 +7,17 @@
   <p:sldIdLst>
     <p:sldId id="256" r:id="rId2"/>
     <p:sldId id="258" r:id="rId3"/>
-    <p:sldId id="263" r:id="rId4"/>
-    <p:sldId id="260" r:id="rId5"/>
-    <p:sldId id="262" r:id="rId6"/>
-    <p:sldId id="265" r:id="rId7"/>
+    <p:sldId id="266" r:id="rId4"/>
+    <p:sldId id="267" r:id="rId5"/>
+    <p:sldId id="268" r:id="rId6"/>
+    <p:sldId id="269" r:id="rId7"/>
+    <p:sldId id="270" r:id="rId8"/>
+    <p:sldId id="271" r:id="rId9"/>
+    <p:sldId id="272" r:id="rId10"/>
+    <p:sldId id="263" r:id="rId11"/>
+    <p:sldId id="260" r:id="rId12"/>
+    <p:sldId id="262" r:id="rId13"/>
+    <p:sldId id="265" r:id="rId14"/>
   </p:sldIdLst>
   <p:sldSz cx="12192000" cy="6858000"/>
   <p:notesSz cx="6858000" cy="9144000"/>
@@ -3440,482 +3447,7 @@
 </p:sld>
 </file>
 
-<file path=ppt/slides/slide2.xml><?xml version="1.0" encoding="utf-8"?>
-<p:sld xmlns:a="http://schemas.openxmlformats.org/drawingml/2006/main" xmlns:r="http://schemas.openxmlformats.org/officeDocument/2006/relationships" xmlns:p="http://schemas.openxmlformats.org/presentationml/2006/main">
-  <p:cSld>
-    <p:spTree>
-      <p:nvGrpSpPr>
-        <p:cNvPr id="1" name=""/>
-        <p:cNvGrpSpPr/>
-        <p:nvPr/>
-      </p:nvGrpSpPr>
-      <p:grpSpPr>
-        <a:xfrm>
-          <a:off x="0" y="0"/>
-          <a:ext cx="0" cy="0"/>
-          <a:chOff x="0" y="0"/>
-          <a:chExt cx="0" cy="0"/>
-        </a:xfrm>
-      </p:grpSpPr>
-      <p:sp>
-        <p:nvSpPr>
-          <p:cNvPr id="2" name="Заголовок 1">
-            <a:extLst>
-              <a:ext uri="{FF2B5EF4-FFF2-40B4-BE49-F238E27FC236}">
-                <a16:creationId xmlns:a16="http://schemas.microsoft.com/office/drawing/2014/main" id="{487F5F51-AE96-410C-AADB-C7DC340C2D02}"/>
-              </a:ext>
-            </a:extLst>
-          </p:cNvPr>
-          <p:cNvSpPr>
-            <a:spLocks noGrp="1"/>
-          </p:cNvSpPr>
-          <p:nvPr>
-            <p:ph type="title"/>
-          </p:nvPr>
-        </p:nvSpPr>
-        <p:spPr>
-          <a:xfrm>
-            <a:off x="2231136" y="667978"/>
-            <a:ext cx="7729728" cy="1188720"/>
-          </a:xfrm>
-        </p:spPr>
-        <p:txBody>
-          <a:bodyPr/>
-          <a:lstStyle/>
-          <a:p>
-            <a:r>
-              <a:rPr lang="ru-RU" dirty="0"/>
-              <a:t>Инструменты</a:t>
-            </a:r>
-          </a:p>
-        </p:txBody>
-      </p:sp>
-      <p:sp>
-        <p:nvSpPr>
-          <p:cNvPr id="3" name="Объект 2">
-            <a:extLst>
-              <a:ext uri="{FF2B5EF4-FFF2-40B4-BE49-F238E27FC236}">
-                <a16:creationId xmlns:a16="http://schemas.microsoft.com/office/drawing/2014/main" id="{E4386BDB-EA82-4097-99AE-FF7598D4BD02}"/>
-              </a:ext>
-            </a:extLst>
-          </p:cNvPr>
-          <p:cNvSpPr>
-            <a:spLocks noGrp="1"/>
-          </p:cNvSpPr>
-          <p:nvPr>
-            <p:ph idx="1"/>
-          </p:nvPr>
-        </p:nvSpPr>
-        <p:spPr>
-          <a:xfrm>
-            <a:off x="2231136" y="2468639"/>
-            <a:ext cx="7729728" cy="3101983"/>
-          </a:xfrm>
-        </p:spPr>
-        <p:txBody>
-          <a:bodyPr/>
-          <a:lstStyle/>
-          <a:p>
-            <a:r>
-              <a:rPr lang="ru-RU" dirty="0"/>
-              <a:t>Язык программирования: </a:t>
-            </a:r>
-            <a:r>
-              <a:rPr lang="en-US" dirty="0"/>
-              <a:t>Python</a:t>
-            </a:r>
-          </a:p>
-          <a:p>
-            <a:r>
-              <a:rPr lang="ru-RU" dirty="0"/>
-              <a:t>Библиотеки</a:t>
-            </a:r>
-            <a:r>
-              <a:rPr lang="en-US" dirty="0"/>
-              <a:t>: Matplotlib, NumPy, </a:t>
-            </a:r>
-            <a:r>
-              <a:rPr lang="en-US" dirty="0" err="1"/>
-              <a:t>PyGame</a:t>
-            </a:r>
-            <a:r>
-              <a:rPr lang="en-US" dirty="0"/>
-              <a:t>, </a:t>
-            </a:r>
-            <a:r>
-              <a:rPr lang="en-US" dirty="0" err="1"/>
-              <a:t>PyQt</a:t>
-            </a:r>
-            <a:r>
-              <a:rPr lang="en-US" dirty="0"/>
-              <a:t>, SQLite, </a:t>
-            </a:r>
-            <a:r>
-              <a:rPr lang="en-US" dirty="0" err="1"/>
-              <a:t>Tkinter</a:t>
-            </a:r>
-            <a:endParaRPr lang="en-US" dirty="0"/>
-          </a:p>
-          <a:p>
-            <a:r>
-              <a:rPr lang="en-US" dirty="0"/>
-              <a:t>IDE:</a:t>
-            </a:r>
-            <a:r>
-              <a:rPr lang="ru-RU" dirty="0"/>
-              <a:t> </a:t>
-            </a:r>
-            <a:r>
-              <a:rPr lang="en-US" dirty="0"/>
-              <a:t>PyCharm</a:t>
-            </a:r>
-            <a:endParaRPr lang="ru-RU" dirty="0"/>
-          </a:p>
-        </p:txBody>
-      </p:sp>
-      <p:pic>
-        <p:nvPicPr>
-          <p:cNvPr id="1026" name="Picture 2">
-            <a:extLst>
-              <a:ext uri="{FF2B5EF4-FFF2-40B4-BE49-F238E27FC236}">
-                <a16:creationId xmlns:a16="http://schemas.microsoft.com/office/drawing/2014/main" id="{A11E9B4F-C984-47F6-9B8E-F40419DC8C94}"/>
-              </a:ext>
-            </a:extLst>
-          </p:cNvPr>
-          <p:cNvPicPr>
-            <a:picLocks noChangeAspect="1" noChangeArrowheads="1"/>
-          </p:cNvPicPr>
-          <p:nvPr/>
-        </p:nvPicPr>
-        <p:blipFill>
-          <a:blip r:embed="rId2">
-            <a:extLst>
-              <a:ext uri="{28A0092B-C50C-407E-A947-70E740481C1C}">
-                <a14:useLocalDpi xmlns:a14="http://schemas.microsoft.com/office/drawing/2010/main" val="0"/>
-              </a:ext>
-            </a:extLst>
-          </a:blip>
-          <a:srcRect/>
-          <a:stretch>
-            <a:fillRect/>
-          </a:stretch>
-        </p:blipFill>
-        <p:spPr bwMode="auto">
-          <a:xfrm>
-            <a:off x="654968" y="4367233"/>
-            <a:ext cx="2736768" cy="502454"/>
-          </a:xfrm>
-          <a:prstGeom prst="rect">
-            <a:avLst/>
-          </a:prstGeom>
-          <a:noFill/>
-          <a:extLst>
-            <a:ext uri="{909E8E84-426E-40DD-AFC4-6F175D3DCCD1}">
-              <a14:hiddenFill xmlns:a14="http://schemas.microsoft.com/office/drawing/2010/main">
-                <a:solidFill>
-                  <a:srgbClr val="FFFFFF"/>
-                </a:solidFill>
-              </a14:hiddenFill>
-            </a:ext>
-          </a:extLst>
-        </p:spPr>
-      </p:pic>
-      <p:pic>
-        <p:nvPicPr>
-          <p:cNvPr id="1028" name="Picture 4">
-            <a:extLst>
-              <a:ext uri="{FF2B5EF4-FFF2-40B4-BE49-F238E27FC236}">
-                <a16:creationId xmlns:a16="http://schemas.microsoft.com/office/drawing/2014/main" id="{FD03DCDC-913E-406A-A52B-3BECA0D2F80A}"/>
-              </a:ext>
-            </a:extLst>
-          </p:cNvPr>
-          <p:cNvPicPr>
-            <a:picLocks noChangeAspect="1" noChangeArrowheads="1"/>
-          </p:cNvPicPr>
-          <p:nvPr/>
-        </p:nvPicPr>
-        <p:blipFill>
-          <a:blip r:embed="rId3">
-            <a:extLst>
-              <a:ext uri="{28A0092B-C50C-407E-A947-70E740481C1C}">
-                <a14:useLocalDpi xmlns:a14="http://schemas.microsoft.com/office/drawing/2010/main" val="0"/>
-              </a:ext>
-            </a:extLst>
-          </a:blip>
-          <a:srcRect/>
-          <a:stretch>
-            <a:fillRect/>
-          </a:stretch>
-        </p:blipFill>
-        <p:spPr bwMode="auto">
-          <a:xfrm>
-            <a:off x="3797268" y="4232697"/>
-            <a:ext cx="1704975" cy="771525"/>
-          </a:xfrm>
-          <a:prstGeom prst="rect">
-            <a:avLst/>
-          </a:prstGeom>
-          <a:noFill/>
-          <a:extLst>
-            <a:ext uri="{909E8E84-426E-40DD-AFC4-6F175D3DCCD1}">
-              <a14:hiddenFill xmlns:a14="http://schemas.microsoft.com/office/drawing/2010/main">
-                <a:solidFill>
-                  <a:srgbClr val="FFFFFF"/>
-                </a:solidFill>
-              </a14:hiddenFill>
-            </a:ext>
-          </a:extLst>
-        </p:spPr>
-      </p:pic>
-      <p:pic>
-        <p:nvPicPr>
-          <p:cNvPr id="1030" name="Picture 6">
-            <a:extLst>
-              <a:ext uri="{FF2B5EF4-FFF2-40B4-BE49-F238E27FC236}">
-                <a16:creationId xmlns:a16="http://schemas.microsoft.com/office/drawing/2014/main" id="{2E7D5EA6-192A-4858-90C9-4C19A2843623}"/>
-              </a:ext>
-            </a:extLst>
-          </p:cNvPr>
-          <p:cNvPicPr>
-            <a:picLocks noChangeAspect="1" noChangeArrowheads="1"/>
-          </p:cNvPicPr>
-          <p:nvPr/>
-        </p:nvPicPr>
-        <p:blipFill>
-          <a:blip r:embed="rId4">
-            <a:extLst>
-              <a:ext uri="{28A0092B-C50C-407E-A947-70E740481C1C}">
-                <a14:useLocalDpi xmlns:a14="http://schemas.microsoft.com/office/drawing/2010/main" val="0"/>
-              </a:ext>
-            </a:extLst>
-          </a:blip>
-          <a:srcRect/>
-          <a:stretch>
-            <a:fillRect/>
-          </a:stretch>
-        </p:blipFill>
-        <p:spPr bwMode="auto">
-          <a:xfrm>
-            <a:off x="5938067" y="4251097"/>
-            <a:ext cx="1978090" cy="782994"/>
-          </a:xfrm>
-          <a:prstGeom prst="rect">
-            <a:avLst/>
-          </a:prstGeom>
-          <a:noFill/>
-          <a:extLst>
-            <a:ext uri="{909E8E84-426E-40DD-AFC4-6F175D3DCCD1}">
-              <a14:hiddenFill xmlns:a14="http://schemas.microsoft.com/office/drawing/2010/main">
-                <a:solidFill>
-                  <a:srgbClr val="FFFFFF"/>
-                </a:solidFill>
-              </a14:hiddenFill>
-            </a:ext>
-          </a:extLst>
-        </p:spPr>
-      </p:pic>
-      <p:pic>
-        <p:nvPicPr>
-          <p:cNvPr id="1034" name="Picture 10">
-            <a:extLst>
-              <a:ext uri="{FF2B5EF4-FFF2-40B4-BE49-F238E27FC236}">
-                <a16:creationId xmlns:a16="http://schemas.microsoft.com/office/drawing/2014/main" id="{E63EF46A-8630-4A99-B114-242725BF67EB}"/>
-              </a:ext>
-            </a:extLst>
-          </p:cNvPr>
-          <p:cNvPicPr>
-            <a:picLocks noChangeAspect="1" noChangeArrowheads="1"/>
-          </p:cNvPicPr>
-          <p:nvPr/>
-        </p:nvPicPr>
-        <p:blipFill>
-          <a:blip r:embed="rId5">
-            <a:extLst>
-              <a:ext uri="{28A0092B-C50C-407E-A947-70E740481C1C}">
-                <a14:useLocalDpi xmlns:a14="http://schemas.microsoft.com/office/drawing/2010/main" val="0"/>
-              </a:ext>
-            </a:extLst>
-          </a:blip>
-          <a:srcRect/>
-          <a:stretch>
-            <a:fillRect/>
-          </a:stretch>
-        </p:blipFill>
-        <p:spPr bwMode="auto">
-          <a:xfrm>
-            <a:off x="8407501" y="4232697"/>
-            <a:ext cx="1117539" cy="819794"/>
-          </a:xfrm>
-          <a:prstGeom prst="rect">
-            <a:avLst/>
-          </a:prstGeom>
-          <a:noFill/>
-          <a:extLst>
-            <a:ext uri="{909E8E84-426E-40DD-AFC4-6F175D3DCCD1}">
-              <a14:hiddenFill xmlns:a14="http://schemas.microsoft.com/office/drawing/2010/main">
-                <a:solidFill>
-                  <a:srgbClr val="FFFFFF"/>
-                </a:solidFill>
-              </a14:hiddenFill>
-            </a:ext>
-          </a:extLst>
-        </p:spPr>
-      </p:pic>
-      <p:pic>
-        <p:nvPicPr>
-          <p:cNvPr id="1036" name="Picture 12">
-            <a:extLst>
-              <a:ext uri="{FF2B5EF4-FFF2-40B4-BE49-F238E27FC236}">
-                <a16:creationId xmlns:a16="http://schemas.microsoft.com/office/drawing/2014/main" id="{697912B5-0DFB-4771-BD70-B05673042374}"/>
-              </a:ext>
-            </a:extLst>
-          </p:cNvPr>
-          <p:cNvPicPr>
-            <a:picLocks noChangeAspect="1" noChangeArrowheads="1"/>
-          </p:cNvPicPr>
-          <p:nvPr/>
-        </p:nvPicPr>
-        <p:blipFill>
-          <a:blip r:embed="rId6">
-            <a:extLst>
-              <a:ext uri="{28A0092B-C50C-407E-A947-70E740481C1C}">
-                <a14:useLocalDpi xmlns:a14="http://schemas.microsoft.com/office/drawing/2010/main" val="0"/>
-              </a:ext>
-            </a:extLst>
-          </a:blip>
-          <a:srcRect/>
-          <a:stretch>
-            <a:fillRect/>
-          </a:stretch>
-        </p:blipFill>
-        <p:spPr bwMode="auto">
-          <a:xfrm>
-            <a:off x="9960864" y="4290491"/>
-            <a:ext cx="1609725" cy="762000"/>
-          </a:xfrm>
-          <a:prstGeom prst="rect">
-            <a:avLst/>
-          </a:prstGeom>
-          <a:noFill/>
-          <a:extLst>
-            <a:ext uri="{909E8E84-426E-40DD-AFC4-6F175D3DCCD1}">
-              <a14:hiddenFill xmlns:a14="http://schemas.microsoft.com/office/drawing/2010/main">
-                <a:solidFill>
-                  <a:srgbClr val="FFFFFF"/>
-                </a:solidFill>
-              </a14:hiddenFill>
-            </a:ext>
-          </a:extLst>
-        </p:spPr>
-      </p:pic>
-      <p:pic>
-        <p:nvPicPr>
-          <p:cNvPr id="1038" name="Picture 14">
-            <a:extLst>
-              <a:ext uri="{FF2B5EF4-FFF2-40B4-BE49-F238E27FC236}">
-                <a16:creationId xmlns:a16="http://schemas.microsoft.com/office/drawing/2014/main" id="{73C5346E-B9A0-4EF7-B433-7BFADD4F72D6}"/>
-              </a:ext>
-            </a:extLst>
-          </p:cNvPr>
-          <p:cNvPicPr>
-            <a:picLocks noChangeAspect="1" noChangeArrowheads="1"/>
-          </p:cNvPicPr>
-          <p:nvPr/>
-        </p:nvPicPr>
-        <p:blipFill>
-          <a:blip r:embed="rId7">
-            <a:extLst>
-              <a:ext uri="{28A0092B-C50C-407E-A947-70E740481C1C}">
-                <a14:useLocalDpi xmlns:a14="http://schemas.microsoft.com/office/drawing/2010/main" val="0"/>
-              </a:ext>
-            </a:extLst>
-          </a:blip>
-          <a:srcRect/>
-          <a:stretch>
-            <a:fillRect/>
-          </a:stretch>
-        </p:blipFill>
-        <p:spPr bwMode="auto">
-          <a:xfrm>
-            <a:off x="4133877" y="5216613"/>
-            <a:ext cx="1117539" cy="1006592"/>
-          </a:xfrm>
-          <a:prstGeom prst="rect">
-            <a:avLst/>
-          </a:prstGeom>
-          <a:noFill/>
-          <a:extLst>
-            <a:ext uri="{909E8E84-426E-40DD-AFC4-6F175D3DCCD1}">
-              <a14:hiddenFill xmlns:a14="http://schemas.microsoft.com/office/drawing/2010/main">
-                <a:solidFill>
-                  <a:srgbClr val="FFFFFF"/>
-                </a:solidFill>
-              </a14:hiddenFill>
-            </a:ext>
-          </a:extLst>
-        </p:spPr>
-      </p:pic>
-      <p:pic>
-        <p:nvPicPr>
-          <p:cNvPr id="1040" name="Picture 16">
-            <a:extLst>
-              <a:ext uri="{FF2B5EF4-FFF2-40B4-BE49-F238E27FC236}">
-                <a16:creationId xmlns:a16="http://schemas.microsoft.com/office/drawing/2014/main" id="{67C56DFD-0ACE-44CA-BC85-7D65123186C4}"/>
-              </a:ext>
-            </a:extLst>
-          </p:cNvPr>
-          <p:cNvPicPr>
-            <a:picLocks noChangeAspect="1" noChangeArrowheads="1"/>
-          </p:cNvPicPr>
-          <p:nvPr/>
-        </p:nvPicPr>
-        <p:blipFill>
-          <a:blip r:embed="rId8">
-            <a:extLst>
-              <a:ext uri="{28A0092B-C50C-407E-A947-70E740481C1C}">
-                <a14:useLocalDpi xmlns:a14="http://schemas.microsoft.com/office/drawing/2010/main" val="0"/>
-              </a:ext>
-            </a:extLst>
-          </a:blip>
-          <a:srcRect/>
-          <a:stretch>
-            <a:fillRect/>
-          </a:stretch>
-        </p:blipFill>
-        <p:spPr bwMode="auto">
-          <a:xfrm>
-            <a:off x="6178586" y="5338909"/>
-            <a:ext cx="762000" cy="762000"/>
-          </a:xfrm>
-          <a:prstGeom prst="rect">
-            <a:avLst/>
-          </a:prstGeom>
-          <a:noFill/>
-          <a:extLst>
-            <a:ext uri="{909E8E84-426E-40DD-AFC4-6F175D3DCCD1}">
-              <a14:hiddenFill xmlns:a14="http://schemas.microsoft.com/office/drawing/2010/main">
-                <a:solidFill>
-                  <a:srgbClr val="FFFFFF"/>
-                </a:solidFill>
-              </a14:hiddenFill>
-            </a:ext>
-          </a:extLst>
-        </p:spPr>
-      </p:pic>
-    </p:spTree>
-    <p:extLst>
-      <p:ext uri="{BB962C8B-B14F-4D97-AF65-F5344CB8AC3E}">
-        <p14:creationId xmlns:p14="http://schemas.microsoft.com/office/powerpoint/2010/main" val="154558931"/>
-      </p:ext>
-    </p:extLst>
-  </p:cSld>
-  <p:clrMapOvr>
-    <a:masterClrMapping/>
-  </p:clrMapOvr>
-</p:sld>
-</file>
-
-<file path=ppt/slides/slide3.xml><?xml version="1.0" encoding="utf-8"?>
+<file path=ppt/slides/slide10.xml><?xml version="1.0" encoding="utf-8"?>
 <p:sld xmlns:a="http://schemas.openxmlformats.org/drawingml/2006/main" xmlns:r="http://schemas.openxmlformats.org/officeDocument/2006/relationships" xmlns:p="http://schemas.openxmlformats.org/presentationml/2006/main">
   <p:cSld>
     <p:bg>
@@ -3948,7 +3480,7 @@
                 <a16:creationId xmlns:a16="http://schemas.microsoft.com/office/drawing/2014/main" id="{419501C6-F015-4273-AF88-E0F6C853899F}"/>
               </a:ext>
               <a:ext uri="{C183D7F6-B498-43B3-948B-1728B52AA6E4}">
-                <adec:decorative xmlns:adec="http://schemas.microsoft.com/office/drawing/2017/decorative" val="1"/>
+                <adec:decorative xmlns="" xmlns:adec="http://schemas.microsoft.com/office/drawing/2017/decorative" val="1"/>
               </a:ext>
             </a:extLst>
           </p:cNvPr>
@@ -4008,7 +3540,7 @@
                 <a16:creationId xmlns:a16="http://schemas.microsoft.com/office/drawing/2014/main" id="{CA677DB7-5829-45BD-9754-5EC484CC4253}"/>
               </a:ext>
               <a:ext uri="{C183D7F6-B498-43B3-948B-1728B52AA6E4}">
-                <adec:decorative xmlns:adec="http://schemas.microsoft.com/office/drawing/2017/decorative" val="1"/>
+                <adec:decorative xmlns="" xmlns:adec="http://schemas.microsoft.com/office/drawing/2017/decorative" val="1"/>
               </a:ext>
             </a:extLst>
           </p:cNvPr>
@@ -4095,6 +3627,10 @@
               <a:rPr lang="ru-RU" sz="2400" dirty="0"/>
               <a:t>Диаграмма прецедентов</a:t>
             </a:r>
+            <a:r>
+              <a:rPr lang="ru-RU" sz="2000" dirty="0"/>
+              <a:t/>
+            </a:r>
             <a:br>
               <a:rPr lang="ru-RU" sz="2000" dirty="0"/>
             </a:br>
@@ -4162,7 +3698,7 @@
 </p:sld>
 </file>
 
-<file path=ppt/slides/slide4.xml><?xml version="1.0" encoding="utf-8"?>
+<file path=ppt/slides/slide11.xml><?xml version="1.0" encoding="utf-8"?>
 <p:sld xmlns:a="http://schemas.openxmlformats.org/drawingml/2006/main" xmlns:r="http://schemas.openxmlformats.org/officeDocument/2006/relationships" xmlns:p="http://schemas.openxmlformats.org/presentationml/2006/main">
   <p:cSld>
     <p:bg>
@@ -4195,7 +3731,7 @@
                 <a16:creationId xmlns:a16="http://schemas.microsoft.com/office/drawing/2014/main" id="{419501C6-F015-4273-AF88-E0F6C853899F}"/>
               </a:ext>
               <a:ext uri="{C183D7F6-B498-43B3-948B-1728B52AA6E4}">
-                <adec:decorative xmlns:adec="http://schemas.microsoft.com/office/drawing/2017/decorative" val="1"/>
+                <adec:decorative xmlns="" xmlns:adec="http://schemas.microsoft.com/office/drawing/2017/decorative" val="1"/>
               </a:ext>
             </a:extLst>
           </p:cNvPr>
@@ -4255,7 +3791,7 @@
                 <a16:creationId xmlns:a16="http://schemas.microsoft.com/office/drawing/2014/main" id="{CA677DB7-5829-45BD-9754-5EC484CC4253}"/>
               </a:ext>
               <a:ext uri="{C183D7F6-B498-43B3-948B-1728B52AA6E4}">
-                <adec:decorative xmlns:adec="http://schemas.microsoft.com/office/drawing/2017/decorative" val="1"/>
+                <adec:decorative xmlns="" xmlns:adec="http://schemas.microsoft.com/office/drawing/2017/decorative" val="1"/>
               </a:ext>
             </a:extLst>
           </p:cNvPr>
@@ -4358,6 +3894,10 @@
               <a:rPr lang="en-US" sz="2000" dirty="0" err="1"/>
               <a:t>приложения</a:t>
             </a:r>
+            <a:r>
+              <a:rPr lang="ru-RU" sz="2200" dirty="0"/>
+              <a:t/>
+            </a:r>
             <a:br>
               <a:rPr lang="ru-RU" sz="2200" dirty="0"/>
             </a:br>
@@ -4421,7 +3961,7 @@
 </p:sld>
 </file>
 
-<file path=ppt/slides/slide5.xml><?xml version="1.0" encoding="utf-8"?>
+<file path=ppt/slides/slide12.xml><?xml version="1.0" encoding="utf-8"?>
 <p:sld xmlns:a="http://schemas.openxmlformats.org/drawingml/2006/main" xmlns:r="http://schemas.openxmlformats.org/officeDocument/2006/relationships" xmlns:p="http://schemas.openxmlformats.org/presentationml/2006/main">
   <p:cSld>
     <p:bg>
@@ -4454,7 +3994,7 @@
                 <a16:creationId xmlns:a16="http://schemas.microsoft.com/office/drawing/2014/main" id="{419501C6-F015-4273-AF88-E0F6C853899F}"/>
               </a:ext>
               <a:ext uri="{C183D7F6-B498-43B3-948B-1728B52AA6E4}">
-                <adec:decorative xmlns:adec="http://schemas.microsoft.com/office/drawing/2017/decorative" val="1"/>
+                <adec:decorative xmlns="" xmlns:adec="http://schemas.microsoft.com/office/drawing/2017/decorative" val="1"/>
               </a:ext>
             </a:extLst>
           </p:cNvPr>
@@ -4514,7 +4054,7 @@
                 <a16:creationId xmlns:a16="http://schemas.microsoft.com/office/drawing/2014/main" id="{CA677DB7-5829-45BD-9754-5EC484CC4253}"/>
               </a:ext>
               <a:ext uri="{C183D7F6-B498-43B3-948B-1728B52AA6E4}">
-                <adec:decorative xmlns:adec="http://schemas.microsoft.com/office/drawing/2017/decorative" val="1"/>
+                <adec:decorative xmlns="" xmlns:adec="http://schemas.microsoft.com/office/drawing/2017/decorative" val="1"/>
               </a:ext>
             </a:extLst>
           </p:cNvPr>
@@ -4664,7 +4204,7 @@
 </p:sld>
 </file>
 
-<file path=ppt/slides/slide6.xml><?xml version="1.0" encoding="utf-8"?>
+<file path=ppt/slides/slide13.xml><?xml version="1.0" encoding="utf-8"?>
 <p:sld xmlns:a="http://schemas.openxmlformats.org/drawingml/2006/main" xmlns:r="http://schemas.openxmlformats.org/officeDocument/2006/relationships" xmlns:p="http://schemas.openxmlformats.org/presentationml/2006/main">
   <p:cSld>
     <p:bg>
@@ -4728,6 +4268,2201 @@
     <p:extLst>
       <p:ext uri="{BB962C8B-B14F-4D97-AF65-F5344CB8AC3E}">
         <p14:creationId xmlns:p14="http://schemas.microsoft.com/office/powerpoint/2010/main" val="3767779053"/>
+      </p:ext>
+    </p:extLst>
+  </p:cSld>
+  <p:clrMapOvr>
+    <a:masterClrMapping/>
+  </p:clrMapOvr>
+</p:sld>
+</file>
+
+<file path=ppt/slides/slide2.xml><?xml version="1.0" encoding="utf-8"?>
+<p:sld xmlns:a="http://schemas.openxmlformats.org/drawingml/2006/main" xmlns:r="http://schemas.openxmlformats.org/officeDocument/2006/relationships" xmlns:p="http://schemas.openxmlformats.org/presentationml/2006/main">
+  <p:cSld>
+    <p:spTree>
+      <p:nvGrpSpPr>
+        <p:cNvPr id="1" name=""/>
+        <p:cNvGrpSpPr/>
+        <p:nvPr/>
+      </p:nvGrpSpPr>
+      <p:grpSpPr>
+        <a:xfrm>
+          <a:off x="0" y="0"/>
+          <a:ext cx="0" cy="0"/>
+          <a:chOff x="0" y="0"/>
+          <a:chExt cx="0" cy="0"/>
+        </a:xfrm>
+      </p:grpSpPr>
+      <p:sp>
+        <p:nvSpPr>
+          <p:cNvPr id="2" name="Заголовок 1">
+            <a:extLst>
+              <a:ext uri="{FF2B5EF4-FFF2-40B4-BE49-F238E27FC236}">
+                <a16:creationId xmlns:a16="http://schemas.microsoft.com/office/drawing/2014/main" id="{487F5F51-AE96-410C-AADB-C7DC340C2D02}"/>
+              </a:ext>
+            </a:extLst>
+          </p:cNvPr>
+          <p:cNvSpPr>
+            <a:spLocks noGrp="1"/>
+          </p:cNvSpPr>
+          <p:nvPr>
+            <p:ph type="title"/>
+          </p:nvPr>
+        </p:nvSpPr>
+        <p:spPr>
+          <a:xfrm>
+            <a:off x="2231136" y="667978"/>
+            <a:ext cx="7729728" cy="1188720"/>
+          </a:xfrm>
+        </p:spPr>
+        <p:txBody>
+          <a:bodyPr/>
+          <a:lstStyle/>
+          <a:p>
+            <a:r>
+              <a:rPr lang="ru-RU" dirty="0"/>
+              <a:t>Инструменты</a:t>
+            </a:r>
+          </a:p>
+        </p:txBody>
+      </p:sp>
+      <p:sp>
+        <p:nvSpPr>
+          <p:cNvPr id="3" name="Объект 2">
+            <a:extLst>
+              <a:ext uri="{FF2B5EF4-FFF2-40B4-BE49-F238E27FC236}">
+                <a16:creationId xmlns:a16="http://schemas.microsoft.com/office/drawing/2014/main" id="{E4386BDB-EA82-4097-99AE-FF7598D4BD02}"/>
+              </a:ext>
+            </a:extLst>
+          </p:cNvPr>
+          <p:cNvSpPr>
+            <a:spLocks noGrp="1"/>
+          </p:cNvSpPr>
+          <p:nvPr>
+            <p:ph idx="1"/>
+          </p:nvPr>
+        </p:nvSpPr>
+        <p:spPr>
+          <a:xfrm>
+            <a:off x="2231136" y="2468639"/>
+            <a:ext cx="7729728" cy="3101983"/>
+          </a:xfrm>
+        </p:spPr>
+        <p:txBody>
+          <a:bodyPr/>
+          <a:lstStyle/>
+          <a:p>
+            <a:r>
+              <a:rPr lang="ru-RU" dirty="0"/>
+              <a:t>Язык программирования: </a:t>
+            </a:r>
+            <a:r>
+              <a:rPr lang="en-US" dirty="0"/>
+              <a:t>Python</a:t>
+            </a:r>
+          </a:p>
+          <a:p>
+            <a:r>
+              <a:rPr lang="ru-RU" dirty="0"/>
+              <a:t>Библиотеки</a:t>
+            </a:r>
+            <a:r>
+              <a:rPr lang="en-US" dirty="0"/>
+              <a:t>: Matplotlib, NumPy, </a:t>
+            </a:r>
+            <a:r>
+              <a:rPr lang="en-US" dirty="0" err="1"/>
+              <a:t>PyGame</a:t>
+            </a:r>
+            <a:r>
+              <a:rPr lang="en-US" dirty="0"/>
+              <a:t>, </a:t>
+            </a:r>
+            <a:r>
+              <a:rPr lang="en-US" dirty="0" err="1"/>
+              <a:t>PyQt</a:t>
+            </a:r>
+            <a:r>
+              <a:rPr lang="en-US" dirty="0"/>
+              <a:t>, SQLite, </a:t>
+            </a:r>
+            <a:r>
+              <a:rPr lang="en-US" dirty="0" err="1"/>
+              <a:t>Tkinter</a:t>
+            </a:r>
+            <a:endParaRPr lang="en-US" dirty="0"/>
+          </a:p>
+          <a:p>
+            <a:r>
+              <a:rPr lang="en-US" dirty="0"/>
+              <a:t>IDE:</a:t>
+            </a:r>
+            <a:r>
+              <a:rPr lang="ru-RU" dirty="0"/>
+              <a:t> </a:t>
+            </a:r>
+            <a:r>
+              <a:rPr lang="en-US" dirty="0"/>
+              <a:t>PyCharm</a:t>
+            </a:r>
+            <a:endParaRPr lang="ru-RU" dirty="0"/>
+          </a:p>
+        </p:txBody>
+      </p:sp>
+      <p:pic>
+        <p:nvPicPr>
+          <p:cNvPr id="1026" name="Picture 2">
+            <a:extLst>
+              <a:ext uri="{FF2B5EF4-FFF2-40B4-BE49-F238E27FC236}">
+                <a16:creationId xmlns:a16="http://schemas.microsoft.com/office/drawing/2014/main" id="{A11E9B4F-C984-47F6-9B8E-F40419DC8C94}"/>
+              </a:ext>
+            </a:extLst>
+          </p:cNvPr>
+          <p:cNvPicPr>
+            <a:picLocks noChangeAspect="1" noChangeArrowheads="1"/>
+          </p:cNvPicPr>
+          <p:nvPr/>
+        </p:nvPicPr>
+        <p:blipFill>
+          <a:blip r:embed="rId2" cstate="hqprint">
+            <a:extLst>
+              <a:ext uri="{28A0092B-C50C-407E-A947-70E740481C1C}">
+                <a14:useLocalDpi xmlns:a14="http://schemas.microsoft.com/office/drawing/2010/main" val="0"/>
+              </a:ext>
+            </a:extLst>
+          </a:blip>
+          <a:srcRect/>
+          <a:stretch>
+            <a:fillRect/>
+          </a:stretch>
+        </p:blipFill>
+        <p:spPr bwMode="auto">
+          <a:xfrm>
+            <a:off x="654968" y="4367233"/>
+            <a:ext cx="2736768" cy="502454"/>
+          </a:xfrm>
+          <a:prstGeom prst="rect">
+            <a:avLst/>
+          </a:prstGeom>
+          <a:noFill/>
+          <a:extLst>
+            <a:ext uri="{909E8E84-426E-40DD-AFC4-6F175D3DCCD1}">
+              <a14:hiddenFill xmlns:a14="http://schemas.microsoft.com/office/drawing/2010/main">
+                <a:solidFill>
+                  <a:srgbClr val="FFFFFF"/>
+                </a:solidFill>
+              </a14:hiddenFill>
+            </a:ext>
+          </a:extLst>
+        </p:spPr>
+      </p:pic>
+      <p:pic>
+        <p:nvPicPr>
+          <p:cNvPr id="1028" name="Picture 4">
+            <a:extLst>
+              <a:ext uri="{FF2B5EF4-FFF2-40B4-BE49-F238E27FC236}">
+                <a16:creationId xmlns:a16="http://schemas.microsoft.com/office/drawing/2014/main" id="{FD03DCDC-913E-406A-A52B-3BECA0D2F80A}"/>
+              </a:ext>
+            </a:extLst>
+          </p:cNvPr>
+          <p:cNvPicPr>
+            <a:picLocks noChangeAspect="1" noChangeArrowheads="1"/>
+          </p:cNvPicPr>
+          <p:nvPr/>
+        </p:nvPicPr>
+        <p:blipFill>
+          <a:blip r:embed="rId3">
+            <a:extLst>
+              <a:ext uri="{28A0092B-C50C-407E-A947-70E740481C1C}">
+                <a14:useLocalDpi xmlns:a14="http://schemas.microsoft.com/office/drawing/2010/main" val="0"/>
+              </a:ext>
+            </a:extLst>
+          </a:blip>
+          <a:srcRect/>
+          <a:stretch>
+            <a:fillRect/>
+          </a:stretch>
+        </p:blipFill>
+        <p:spPr bwMode="auto">
+          <a:xfrm>
+            <a:off x="3797268" y="4232697"/>
+            <a:ext cx="1704975" cy="771525"/>
+          </a:xfrm>
+          <a:prstGeom prst="rect">
+            <a:avLst/>
+          </a:prstGeom>
+          <a:noFill/>
+          <a:extLst>
+            <a:ext uri="{909E8E84-426E-40DD-AFC4-6F175D3DCCD1}">
+              <a14:hiddenFill xmlns:a14="http://schemas.microsoft.com/office/drawing/2010/main">
+                <a:solidFill>
+                  <a:srgbClr val="FFFFFF"/>
+                </a:solidFill>
+              </a14:hiddenFill>
+            </a:ext>
+          </a:extLst>
+        </p:spPr>
+      </p:pic>
+      <p:pic>
+        <p:nvPicPr>
+          <p:cNvPr id="1030" name="Picture 6">
+            <a:extLst>
+              <a:ext uri="{FF2B5EF4-FFF2-40B4-BE49-F238E27FC236}">
+                <a16:creationId xmlns:a16="http://schemas.microsoft.com/office/drawing/2014/main" id="{2E7D5EA6-192A-4858-90C9-4C19A2843623}"/>
+              </a:ext>
+            </a:extLst>
+          </p:cNvPr>
+          <p:cNvPicPr>
+            <a:picLocks noChangeAspect="1" noChangeArrowheads="1"/>
+          </p:cNvPicPr>
+          <p:nvPr/>
+        </p:nvPicPr>
+        <p:blipFill>
+          <a:blip r:embed="rId4" cstate="hqprint">
+            <a:extLst>
+              <a:ext uri="{28A0092B-C50C-407E-A947-70E740481C1C}">
+                <a14:useLocalDpi xmlns:a14="http://schemas.microsoft.com/office/drawing/2010/main" val="0"/>
+              </a:ext>
+            </a:extLst>
+          </a:blip>
+          <a:srcRect/>
+          <a:stretch>
+            <a:fillRect/>
+          </a:stretch>
+        </p:blipFill>
+        <p:spPr bwMode="auto">
+          <a:xfrm>
+            <a:off x="5938067" y="4251097"/>
+            <a:ext cx="1978090" cy="782994"/>
+          </a:xfrm>
+          <a:prstGeom prst="rect">
+            <a:avLst/>
+          </a:prstGeom>
+          <a:noFill/>
+          <a:extLst>
+            <a:ext uri="{909E8E84-426E-40DD-AFC4-6F175D3DCCD1}">
+              <a14:hiddenFill xmlns:a14="http://schemas.microsoft.com/office/drawing/2010/main">
+                <a:solidFill>
+                  <a:srgbClr val="FFFFFF"/>
+                </a:solidFill>
+              </a14:hiddenFill>
+            </a:ext>
+          </a:extLst>
+        </p:spPr>
+      </p:pic>
+      <p:pic>
+        <p:nvPicPr>
+          <p:cNvPr id="1034" name="Picture 10">
+            <a:extLst>
+              <a:ext uri="{FF2B5EF4-FFF2-40B4-BE49-F238E27FC236}">
+                <a16:creationId xmlns:a16="http://schemas.microsoft.com/office/drawing/2014/main" id="{E63EF46A-8630-4A99-B114-242725BF67EB}"/>
+              </a:ext>
+            </a:extLst>
+          </p:cNvPr>
+          <p:cNvPicPr>
+            <a:picLocks noChangeAspect="1" noChangeArrowheads="1"/>
+          </p:cNvPicPr>
+          <p:nvPr/>
+        </p:nvPicPr>
+        <p:blipFill>
+          <a:blip r:embed="rId5" cstate="hqprint">
+            <a:extLst>
+              <a:ext uri="{28A0092B-C50C-407E-A947-70E740481C1C}">
+                <a14:useLocalDpi xmlns:a14="http://schemas.microsoft.com/office/drawing/2010/main" val="0"/>
+              </a:ext>
+            </a:extLst>
+          </a:blip>
+          <a:srcRect/>
+          <a:stretch>
+            <a:fillRect/>
+          </a:stretch>
+        </p:blipFill>
+        <p:spPr bwMode="auto">
+          <a:xfrm>
+            <a:off x="8407501" y="4232697"/>
+            <a:ext cx="1117539" cy="819794"/>
+          </a:xfrm>
+          <a:prstGeom prst="rect">
+            <a:avLst/>
+          </a:prstGeom>
+          <a:noFill/>
+          <a:extLst>
+            <a:ext uri="{909E8E84-426E-40DD-AFC4-6F175D3DCCD1}">
+              <a14:hiddenFill xmlns:a14="http://schemas.microsoft.com/office/drawing/2010/main">
+                <a:solidFill>
+                  <a:srgbClr val="FFFFFF"/>
+                </a:solidFill>
+              </a14:hiddenFill>
+            </a:ext>
+          </a:extLst>
+        </p:spPr>
+      </p:pic>
+      <p:pic>
+        <p:nvPicPr>
+          <p:cNvPr id="1036" name="Picture 12">
+            <a:extLst>
+              <a:ext uri="{FF2B5EF4-FFF2-40B4-BE49-F238E27FC236}">
+                <a16:creationId xmlns:a16="http://schemas.microsoft.com/office/drawing/2014/main" id="{697912B5-0DFB-4771-BD70-B05673042374}"/>
+              </a:ext>
+            </a:extLst>
+          </p:cNvPr>
+          <p:cNvPicPr>
+            <a:picLocks noChangeAspect="1" noChangeArrowheads="1"/>
+          </p:cNvPicPr>
+          <p:nvPr/>
+        </p:nvPicPr>
+        <p:blipFill>
+          <a:blip r:embed="rId6">
+            <a:extLst>
+              <a:ext uri="{28A0092B-C50C-407E-A947-70E740481C1C}">
+                <a14:useLocalDpi xmlns:a14="http://schemas.microsoft.com/office/drawing/2010/main" val="0"/>
+              </a:ext>
+            </a:extLst>
+          </a:blip>
+          <a:srcRect/>
+          <a:stretch>
+            <a:fillRect/>
+          </a:stretch>
+        </p:blipFill>
+        <p:spPr bwMode="auto">
+          <a:xfrm>
+            <a:off x="9960864" y="4290491"/>
+            <a:ext cx="1609725" cy="762000"/>
+          </a:xfrm>
+          <a:prstGeom prst="rect">
+            <a:avLst/>
+          </a:prstGeom>
+          <a:noFill/>
+          <a:extLst>
+            <a:ext uri="{909E8E84-426E-40DD-AFC4-6F175D3DCCD1}">
+              <a14:hiddenFill xmlns:a14="http://schemas.microsoft.com/office/drawing/2010/main">
+                <a:solidFill>
+                  <a:srgbClr val="FFFFFF"/>
+                </a:solidFill>
+              </a14:hiddenFill>
+            </a:ext>
+          </a:extLst>
+        </p:spPr>
+      </p:pic>
+      <p:pic>
+        <p:nvPicPr>
+          <p:cNvPr id="1038" name="Picture 14">
+            <a:extLst>
+              <a:ext uri="{FF2B5EF4-FFF2-40B4-BE49-F238E27FC236}">
+                <a16:creationId xmlns:a16="http://schemas.microsoft.com/office/drawing/2014/main" id="{73C5346E-B9A0-4EF7-B433-7BFADD4F72D6}"/>
+              </a:ext>
+            </a:extLst>
+          </p:cNvPr>
+          <p:cNvPicPr>
+            <a:picLocks noChangeAspect="1" noChangeArrowheads="1"/>
+          </p:cNvPicPr>
+          <p:nvPr/>
+        </p:nvPicPr>
+        <p:blipFill>
+          <a:blip r:embed="rId7" cstate="hqprint">
+            <a:extLst>
+              <a:ext uri="{28A0092B-C50C-407E-A947-70E740481C1C}">
+                <a14:useLocalDpi xmlns:a14="http://schemas.microsoft.com/office/drawing/2010/main" val="0"/>
+              </a:ext>
+            </a:extLst>
+          </a:blip>
+          <a:srcRect/>
+          <a:stretch>
+            <a:fillRect/>
+          </a:stretch>
+        </p:blipFill>
+        <p:spPr bwMode="auto">
+          <a:xfrm>
+            <a:off x="4133877" y="5216613"/>
+            <a:ext cx="1117539" cy="1006592"/>
+          </a:xfrm>
+          <a:prstGeom prst="rect">
+            <a:avLst/>
+          </a:prstGeom>
+          <a:noFill/>
+          <a:extLst>
+            <a:ext uri="{909E8E84-426E-40DD-AFC4-6F175D3DCCD1}">
+              <a14:hiddenFill xmlns:a14="http://schemas.microsoft.com/office/drawing/2010/main">
+                <a:solidFill>
+                  <a:srgbClr val="FFFFFF"/>
+                </a:solidFill>
+              </a14:hiddenFill>
+            </a:ext>
+          </a:extLst>
+        </p:spPr>
+      </p:pic>
+      <p:pic>
+        <p:nvPicPr>
+          <p:cNvPr id="1040" name="Picture 16">
+            <a:extLst>
+              <a:ext uri="{FF2B5EF4-FFF2-40B4-BE49-F238E27FC236}">
+                <a16:creationId xmlns:a16="http://schemas.microsoft.com/office/drawing/2014/main" id="{67C56DFD-0ACE-44CA-BC85-7D65123186C4}"/>
+              </a:ext>
+            </a:extLst>
+          </p:cNvPr>
+          <p:cNvPicPr>
+            <a:picLocks noChangeAspect="1" noChangeArrowheads="1"/>
+          </p:cNvPicPr>
+          <p:nvPr/>
+        </p:nvPicPr>
+        <p:blipFill>
+          <a:blip r:embed="rId8">
+            <a:extLst>
+              <a:ext uri="{28A0092B-C50C-407E-A947-70E740481C1C}">
+                <a14:useLocalDpi xmlns:a14="http://schemas.microsoft.com/office/drawing/2010/main" val="0"/>
+              </a:ext>
+            </a:extLst>
+          </a:blip>
+          <a:srcRect/>
+          <a:stretch>
+            <a:fillRect/>
+          </a:stretch>
+        </p:blipFill>
+        <p:spPr bwMode="auto">
+          <a:xfrm>
+            <a:off x="6178586" y="5338909"/>
+            <a:ext cx="762000" cy="762000"/>
+          </a:xfrm>
+          <a:prstGeom prst="rect">
+            <a:avLst/>
+          </a:prstGeom>
+          <a:noFill/>
+          <a:extLst>
+            <a:ext uri="{909E8E84-426E-40DD-AFC4-6F175D3DCCD1}">
+              <a14:hiddenFill xmlns:a14="http://schemas.microsoft.com/office/drawing/2010/main">
+                <a:solidFill>
+                  <a:srgbClr val="FFFFFF"/>
+                </a:solidFill>
+              </a14:hiddenFill>
+            </a:ext>
+          </a:extLst>
+        </p:spPr>
+      </p:pic>
+    </p:spTree>
+    <p:extLst>
+      <p:ext uri="{BB962C8B-B14F-4D97-AF65-F5344CB8AC3E}">
+        <p14:creationId xmlns:p14="http://schemas.microsoft.com/office/powerpoint/2010/main" val="154558931"/>
+      </p:ext>
+    </p:extLst>
+  </p:cSld>
+  <p:clrMapOvr>
+    <a:masterClrMapping/>
+  </p:clrMapOvr>
+</p:sld>
+</file>
+
+<file path=ppt/slides/slide3.xml><?xml version="1.0" encoding="utf-8"?>
+<p:sld xmlns:a="http://schemas.openxmlformats.org/drawingml/2006/main" xmlns:r="http://schemas.openxmlformats.org/officeDocument/2006/relationships" xmlns:p="http://schemas.openxmlformats.org/presentationml/2006/main">
+  <p:cSld>
+    <p:spTree>
+      <p:nvGrpSpPr>
+        <p:cNvPr id="1" name=""/>
+        <p:cNvGrpSpPr/>
+        <p:nvPr/>
+      </p:nvGrpSpPr>
+      <p:grpSpPr>
+        <a:xfrm>
+          <a:off x="0" y="0"/>
+          <a:ext cx="0" cy="0"/>
+          <a:chOff x="0" y="0"/>
+          <a:chExt cx="0" cy="0"/>
+        </a:xfrm>
+      </p:grpSpPr>
+      <p:sp>
+        <p:nvSpPr>
+          <p:cNvPr id="2" name="Заголовок 1"/>
+          <p:cNvSpPr>
+            <a:spLocks noGrp="1"/>
+          </p:cNvSpPr>
+          <p:nvPr>
+            <p:ph type="title"/>
+          </p:nvPr>
+        </p:nvSpPr>
+        <p:spPr/>
+        <p:txBody>
+          <a:bodyPr/>
+          <a:lstStyle/>
+          <a:p>
+            <a:r>
+              <a:rPr lang="en-US" dirty="0" err="1"/>
+              <a:t>Matplotlib</a:t>
+            </a:r>
+            <a:endParaRPr lang="ru-RU" dirty="0"/>
+          </a:p>
+        </p:txBody>
+      </p:sp>
+      <p:pic>
+        <p:nvPicPr>
+          <p:cNvPr id="4" name="Рисунок 3"/>
+          <p:cNvPicPr/>
+          <p:nvPr/>
+        </p:nvPicPr>
+        <p:blipFill>
+          <a:blip r:embed="rId2"/>
+          <a:stretch>
+            <a:fillRect/>
+          </a:stretch>
+        </p:blipFill>
+        <p:spPr>
+          <a:xfrm>
+            <a:off x="6662674" y="2483008"/>
+            <a:ext cx="5329301" cy="4025900"/>
+          </a:xfrm>
+          <a:prstGeom prst="rect">
+            <a:avLst/>
+          </a:prstGeom>
+        </p:spPr>
+      </p:pic>
+      <p:pic>
+        <p:nvPicPr>
+          <p:cNvPr id="5" name="Рисунок 4"/>
+          <p:cNvPicPr/>
+          <p:nvPr/>
+        </p:nvPicPr>
+        <p:blipFill>
+          <a:blip r:embed="rId3"/>
+          <a:stretch>
+            <a:fillRect/>
+          </a:stretch>
+        </p:blipFill>
+        <p:spPr>
+          <a:xfrm>
+            <a:off x="368935" y="2483008"/>
+            <a:ext cx="6120130" cy="4025900"/>
+          </a:xfrm>
+          <a:prstGeom prst="rect">
+            <a:avLst/>
+          </a:prstGeom>
+        </p:spPr>
+      </p:pic>
+      <p:pic>
+        <p:nvPicPr>
+          <p:cNvPr id="6" name="Picture 2">
+            <a:extLst>
+              <a:ext uri="{FF2B5EF4-FFF2-40B4-BE49-F238E27FC236}">
+                <a16:creationId xmlns:a16="http://schemas.microsoft.com/office/drawing/2014/main" id="{A11E9B4F-C984-47F6-9B8E-F40419DC8C94}"/>
+              </a:ext>
+            </a:extLst>
+          </p:cNvPr>
+          <p:cNvPicPr>
+            <a:picLocks noChangeAspect="1" noChangeArrowheads="1"/>
+          </p:cNvPicPr>
+          <p:nvPr/>
+        </p:nvPicPr>
+        <p:blipFill>
+          <a:blip r:embed="rId4" cstate="hqprint">
+            <a:extLst>
+              <a:ext uri="{28A0092B-C50C-407E-A947-70E740481C1C}">
+                <a14:useLocalDpi xmlns:a14="http://schemas.microsoft.com/office/drawing/2010/main" val="0"/>
+              </a:ext>
+            </a:extLst>
+          </a:blip>
+          <a:srcRect/>
+          <a:stretch>
+            <a:fillRect/>
+          </a:stretch>
+        </p:blipFill>
+        <p:spPr bwMode="auto">
+          <a:xfrm>
+            <a:off x="368935" y="199679"/>
+            <a:ext cx="2736768" cy="502454"/>
+          </a:xfrm>
+          <a:prstGeom prst="rect">
+            <a:avLst/>
+          </a:prstGeom>
+          <a:noFill/>
+          <a:extLst>
+            <a:ext uri="{909E8E84-426E-40DD-AFC4-6F175D3DCCD1}">
+              <a14:hiddenFill xmlns:a14="http://schemas.microsoft.com/office/drawing/2010/main">
+                <a:solidFill>
+                  <a:srgbClr val="FFFFFF"/>
+                </a:solidFill>
+              </a14:hiddenFill>
+            </a:ext>
+          </a:extLst>
+        </p:spPr>
+      </p:pic>
+      <p:pic>
+        <p:nvPicPr>
+          <p:cNvPr id="7" name="Picture 16">
+            <a:extLst>
+              <a:ext uri="{FF2B5EF4-FFF2-40B4-BE49-F238E27FC236}">
+                <a16:creationId xmlns:a16="http://schemas.microsoft.com/office/drawing/2014/main" id="{67C56DFD-0ACE-44CA-BC85-7D65123186C4}"/>
+              </a:ext>
+            </a:extLst>
+          </p:cNvPr>
+          <p:cNvPicPr>
+            <a:picLocks noChangeAspect="1" noChangeArrowheads="1"/>
+          </p:cNvPicPr>
+          <p:nvPr/>
+        </p:nvPicPr>
+        <p:blipFill>
+          <a:blip r:embed="rId5">
+            <a:extLst>
+              <a:ext uri="{28A0092B-C50C-407E-A947-70E740481C1C}">
+                <a14:useLocalDpi xmlns:a14="http://schemas.microsoft.com/office/drawing/2010/main" val="0"/>
+              </a:ext>
+            </a:extLst>
+          </a:blip>
+          <a:srcRect/>
+          <a:stretch>
+            <a:fillRect/>
+          </a:stretch>
+        </p:blipFill>
+        <p:spPr bwMode="auto">
+          <a:xfrm>
+            <a:off x="11228080" y="199679"/>
+            <a:ext cx="762000" cy="762000"/>
+          </a:xfrm>
+          <a:prstGeom prst="rect">
+            <a:avLst/>
+          </a:prstGeom>
+          <a:noFill/>
+          <a:extLst>
+            <a:ext uri="{909E8E84-426E-40DD-AFC4-6F175D3DCCD1}">
+              <a14:hiddenFill xmlns:a14="http://schemas.microsoft.com/office/drawing/2010/main">
+                <a:solidFill>
+                  <a:srgbClr val="FFFFFF"/>
+                </a:solidFill>
+              </a14:hiddenFill>
+            </a:ext>
+          </a:extLst>
+        </p:spPr>
+      </p:pic>
+    </p:spTree>
+    <p:extLst>
+      <p:ext uri="{BB962C8B-B14F-4D97-AF65-F5344CB8AC3E}">
+        <p14:creationId xmlns:p14="http://schemas.microsoft.com/office/powerpoint/2010/main" val="167824498"/>
+      </p:ext>
+    </p:extLst>
+  </p:cSld>
+  <p:clrMapOvr>
+    <a:masterClrMapping/>
+  </p:clrMapOvr>
+</p:sld>
+</file>
+
+<file path=ppt/slides/slide4.xml><?xml version="1.0" encoding="utf-8"?>
+<p:sld xmlns:a="http://schemas.openxmlformats.org/drawingml/2006/main" xmlns:r="http://schemas.openxmlformats.org/officeDocument/2006/relationships" xmlns:p="http://schemas.openxmlformats.org/presentationml/2006/main">
+  <p:cSld>
+    <p:spTree>
+      <p:nvGrpSpPr>
+        <p:cNvPr id="1" name=""/>
+        <p:cNvGrpSpPr/>
+        <p:nvPr/>
+      </p:nvGrpSpPr>
+      <p:grpSpPr>
+        <a:xfrm>
+          <a:off x="0" y="0"/>
+          <a:ext cx="0" cy="0"/>
+          <a:chOff x="0" y="0"/>
+          <a:chExt cx="0" cy="0"/>
+        </a:xfrm>
+      </p:grpSpPr>
+      <p:sp>
+        <p:nvSpPr>
+          <p:cNvPr id="2" name="Заголовок 1"/>
+          <p:cNvSpPr>
+            <a:spLocks noGrp="1"/>
+          </p:cNvSpPr>
+          <p:nvPr>
+            <p:ph type="title"/>
+          </p:nvPr>
+        </p:nvSpPr>
+        <p:spPr/>
+        <p:txBody>
+          <a:bodyPr/>
+          <a:lstStyle/>
+          <a:p>
+            <a:r>
+              <a:rPr lang="en-US" dirty="0" err="1"/>
+              <a:t>NumPy</a:t>
+            </a:r>
+            <a:endParaRPr lang="ru-RU" dirty="0"/>
+          </a:p>
+        </p:txBody>
+      </p:sp>
+      <p:pic>
+        <p:nvPicPr>
+          <p:cNvPr id="4" name="Рисунок 3"/>
+          <p:cNvPicPr/>
+          <p:nvPr/>
+        </p:nvPicPr>
+        <p:blipFill>
+          <a:blip r:embed="rId2"/>
+          <a:stretch>
+            <a:fillRect/>
+          </a:stretch>
+        </p:blipFill>
+        <p:spPr>
+          <a:xfrm>
+            <a:off x="254635" y="2525077"/>
+            <a:ext cx="6120130" cy="1007745"/>
+          </a:xfrm>
+          <a:prstGeom prst="rect">
+            <a:avLst/>
+          </a:prstGeom>
+        </p:spPr>
+      </p:pic>
+      <p:pic>
+        <p:nvPicPr>
+          <p:cNvPr id="5" name="Рисунок 4"/>
+          <p:cNvPicPr>
+            <a:picLocks noChangeAspect="1"/>
+          </p:cNvPicPr>
+          <p:nvPr/>
+        </p:nvPicPr>
+        <p:blipFill>
+          <a:blip r:embed="rId3"/>
+          <a:stretch>
+            <a:fillRect/>
+          </a:stretch>
+        </p:blipFill>
+        <p:spPr>
+          <a:xfrm>
+            <a:off x="254635" y="3657600"/>
+            <a:ext cx="2009775" cy="3124200"/>
+          </a:xfrm>
+          <a:prstGeom prst="rect">
+            <a:avLst/>
+          </a:prstGeom>
+        </p:spPr>
+      </p:pic>
+      <p:pic>
+        <p:nvPicPr>
+          <p:cNvPr id="6" name="Рисунок 5"/>
+          <p:cNvPicPr>
+            <a:picLocks noChangeAspect="1"/>
+          </p:cNvPicPr>
+          <p:nvPr/>
+        </p:nvPicPr>
+        <p:blipFill>
+          <a:blip r:embed="rId4"/>
+          <a:stretch>
+            <a:fillRect/>
+          </a:stretch>
+        </p:blipFill>
+        <p:spPr>
+          <a:xfrm>
+            <a:off x="6546215" y="2365238"/>
+            <a:ext cx="1092835" cy="4416562"/>
+          </a:xfrm>
+          <a:prstGeom prst="rect">
+            <a:avLst/>
+          </a:prstGeom>
+        </p:spPr>
+      </p:pic>
+      <p:pic>
+        <p:nvPicPr>
+          <p:cNvPr id="7" name="Рисунок 6"/>
+          <p:cNvPicPr>
+            <a:picLocks noChangeAspect="1"/>
+          </p:cNvPicPr>
+          <p:nvPr/>
+        </p:nvPicPr>
+        <p:blipFill>
+          <a:blip r:embed="rId5"/>
+          <a:stretch>
+            <a:fillRect/>
+          </a:stretch>
+        </p:blipFill>
+        <p:spPr>
+          <a:xfrm>
+            <a:off x="3379153" y="3657600"/>
+            <a:ext cx="1476375" cy="1924050"/>
+          </a:xfrm>
+          <a:prstGeom prst="rect">
+            <a:avLst/>
+          </a:prstGeom>
+        </p:spPr>
+      </p:pic>
+      <p:pic>
+        <p:nvPicPr>
+          <p:cNvPr id="8" name="Рисунок 7"/>
+          <p:cNvPicPr>
+            <a:picLocks noChangeAspect="1"/>
+          </p:cNvPicPr>
+          <p:nvPr/>
+        </p:nvPicPr>
+        <p:blipFill>
+          <a:blip r:embed="rId6"/>
+          <a:stretch>
+            <a:fillRect/>
+          </a:stretch>
+        </p:blipFill>
+        <p:spPr>
+          <a:xfrm>
+            <a:off x="7810501" y="2365238"/>
+            <a:ext cx="4175860" cy="4294268"/>
+          </a:xfrm>
+          <a:prstGeom prst="rect">
+            <a:avLst/>
+          </a:prstGeom>
+        </p:spPr>
+      </p:pic>
+      <p:pic>
+        <p:nvPicPr>
+          <p:cNvPr id="9" name="Picture 4">
+            <a:extLst>
+              <a:ext uri="{FF2B5EF4-FFF2-40B4-BE49-F238E27FC236}">
+                <a16:creationId xmlns:a16="http://schemas.microsoft.com/office/drawing/2014/main" id="{FD03DCDC-913E-406A-A52B-3BECA0D2F80A}"/>
+              </a:ext>
+            </a:extLst>
+          </p:cNvPr>
+          <p:cNvPicPr>
+            <a:picLocks noChangeAspect="1" noChangeArrowheads="1"/>
+          </p:cNvPicPr>
+          <p:nvPr/>
+        </p:nvPicPr>
+        <p:blipFill>
+          <a:blip r:embed="rId7">
+            <a:extLst>
+              <a:ext uri="{28A0092B-C50C-407E-A947-70E740481C1C}">
+                <a14:useLocalDpi xmlns:a14="http://schemas.microsoft.com/office/drawing/2010/main" val="0"/>
+              </a:ext>
+            </a:extLst>
+          </a:blip>
+          <a:srcRect/>
+          <a:stretch>
+            <a:fillRect/>
+          </a:stretch>
+        </p:blipFill>
+        <p:spPr bwMode="auto">
+          <a:xfrm>
+            <a:off x="407034" y="193167"/>
+            <a:ext cx="1704975" cy="771525"/>
+          </a:xfrm>
+          <a:prstGeom prst="rect">
+            <a:avLst/>
+          </a:prstGeom>
+          <a:noFill/>
+          <a:extLst>
+            <a:ext uri="{909E8E84-426E-40DD-AFC4-6F175D3DCCD1}">
+              <a14:hiddenFill xmlns:a14="http://schemas.microsoft.com/office/drawing/2010/main">
+                <a:solidFill>
+                  <a:srgbClr val="FFFFFF"/>
+                </a:solidFill>
+              </a14:hiddenFill>
+            </a:ext>
+          </a:extLst>
+        </p:spPr>
+      </p:pic>
+      <p:pic>
+        <p:nvPicPr>
+          <p:cNvPr id="10" name="Picture 16">
+            <a:extLst>
+              <a:ext uri="{FF2B5EF4-FFF2-40B4-BE49-F238E27FC236}">
+                <a16:creationId xmlns:a16="http://schemas.microsoft.com/office/drawing/2014/main" id="{67C56DFD-0ACE-44CA-BC85-7D65123186C4}"/>
+              </a:ext>
+            </a:extLst>
+          </p:cNvPr>
+          <p:cNvPicPr>
+            <a:picLocks noChangeAspect="1" noChangeArrowheads="1"/>
+          </p:cNvPicPr>
+          <p:nvPr/>
+        </p:nvPicPr>
+        <p:blipFill>
+          <a:blip r:embed="rId8">
+            <a:extLst>
+              <a:ext uri="{28A0092B-C50C-407E-A947-70E740481C1C}">
+                <a14:useLocalDpi xmlns:a14="http://schemas.microsoft.com/office/drawing/2010/main" val="0"/>
+              </a:ext>
+            </a:extLst>
+          </a:blip>
+          <a:srcRect/>
+          <a:stretch>
+            <a:fillRect/>
+          </a:stretch>
+        </p:blipFill>
+        <p:spPr bwMode="auto">
+          <a:xfrm>
+            <a:off x="11224361" y="202692"/>
+            <a:ext cx="762000" cy="762000"/>
+          </a:xfrm>
+          <a:prstGeom prst="rect">
+            <a:avLst/>
+          </a:prstGeom>
+          <a:noFill/>
+          <a:extLst>
+            <a:ext uri="{909E8E84-426E-40DD-AFC4-6F175D3DCCD1}">
+              <a14:hiddenFill xmlns:a14="http://schemas.microsoft.com/office/drawing/2010/main">
+                <a:solidFill>
+                  <a:srgbClr val="FFFFFF"/>
+                </a:solidFill>
+              </a14:hiddenFill>
+            </a:ext>
+          </a:extLst>
+        </p:spPr>
+      </p:pic>
+    </p:spTree>
+    <p:extLst>
+      <p:ext uri="{BB962C8B-B14F-4D97-AF65-F5344CB8AC3E}">
+        <p14:creationId xmlns:p14="http://schemas.microsoft.com/office/powerpoint/2010/main" val="4227604921"/>
+      </p:ext>
+    </p:extLst>
+  </p:cSld>
+  <p:clrMapOvr>
+    <a:masterClrMapping/>
+  </p:clrMapOvr>
+</p:sld>
+</file>
+
+<file path=ppt/slides/slide5.xml><?xml version="1.0" encoding="utf-8"?>
+<p:sld xmlns:a="http://schemas.openxmlformats.org/drawingml/2006/main" xmlns:r="http://schemas.openxmlformats.org/officeDocument/2006/relationships" xmlns:p="http://schemas.openxmlformats.org/presentationml/2006/main">
+  <p:cSld>
+    <p:spTree>
+      <p:nvGrpSpPr>
+        <p:cNvPr id="1" name=""/>
+        <p:cNvGrpSpPr/>
+        <p:nvPr/>
+      </p:nvGrpSpPr>
+      <p:grpSpPr>
+        <a:xfrm>
+          <a:off x="0" y="0"/>
+          <a:ext cx="0" cy="0"/>
+          <a:chOff x="0" y="0"/>
+          <a:chExt cx="0" cy="0"/>
+        </a:xfrm>
+      </p:grpSpPr>
+      <p:sp>
+        <p:nvSpPr>
+          <p:cNvPr id="2" name="Заголовок 1"/>
+          <p:cNvSpPr>
+            <a:spLocks noGrp="1"/>
+          </p:cNvSpPr>
+          <p:nvPr>
+            <p:ph type="title"/>
+          </p:nvPr>
+        </p:nvSpPr>
+        <p:spPr/>
+        <p:txBody>
+          <a:bodyPr/>
+          <a:lstStyle/>
+          <a:p>
+            <a:r>
+              <a:rPr lang="en-US" dirty="0" err="1"/>
+              <a:t>PyGame</a:t>
+            </a:r>
+            <a:endParaRPr lang="ru-RU" dirty="0"/>
+          </a:p>
+        </p:txBody>
+      </p:sp>
+      <p:pic>
+        <p:nvPicPr>
+          <p:cNvPr id="4" name="Рисунок 3"/>
+          <p:cNvPicPr>
+            <a:picLocks noChangeAspect="1"/>
+          </p:cNvPicPr>
+          <p:nvPr/>
+        </p:nvPicPr>
+        <p:blipFill>
+          <a:blip r:embed="rId2"/>
+          <a:stretch>
+            <a:fillRect/>
+          </a:stretch>
+        </p:blipFill>
+        <p:spPr>
+          <a:xfrm>
+            <a:off x="76200" y="2500312"/>
+            <a:ext cx="3743325" cy="2929359"/>
+          </a:xfrm>
+          <a:prstGeom prst="rect">
+            <a:avLst/>
+          </a:prstGeom>
+        </p:spPr>
+      </p:pic>
+      <p:pic>
+        <p:nvPicPr>
+          <p:cNvPr id="5" name="Рисунок 4"/>
+          <p:cNvPicPr>
+            <a:picLocks noChangeAspect="1"/>
+          </p:cNvPicPr>
+          <p:nvPr/>
+        </p:nvPicPr>
+        <p:blipFill>
+          <a:blip r:embed="rId3"/>
+          <a:stretch>
+            <a:fillRect/>
+          </a:stretch>
+        </p:blipFill>
+        <p:spPr>
+          <a:xfrm>
+            <a:off x="4052888" y="2500312"/>
+            <a:ext cx="3757612" cy="2929742"/>
+          </a:xfrm>
+          <a:prstGeom prst="rect">
+            <a:avLst/>
+          </a:prstGeom>
+        </p:spPr>
+      </p:pic>
+      <p:pic>
+        <p:nvPicPr>
+          <p:cNvPr id="6" name="Рисунок 5"/>
+          <p:cNvPicPr>
+            <a:picLocks noChangeAspect="1"/>
+          </p:cNvPicPr>
+          <p:nvPr/>
+        </p:nvPicPr>
+        <p:blipFill>
+          <a:blip r:embed="rId4"/>
+          <a:stretch>
+            <a:fillRect/>
+          </a:stretch>
+        </p:blipFill>
+        <p:spPr>
+          <a:xfrm>
+            <a:off x="8043863" y="2500312"/>
+            <a:ext cx="3749212" cy="2929359"/>
+          </a:xfrm>
+          <a:prstGeom prst="rect">
+            <a:avLst/>
+          </a:prstGeom>
+        </p:spPr>
+      </p:pic>
+      <p:pic>
+        <p:nvPicPr>
+          <p:cNvPr id="7" name="Picture 6">
+            <a:extLst>
+              <a:ext uri="{FF2B5EF4-FFF2-40B4-BE49-F238E27FC236}">
+                <a16:creationId xmlns:a16="http://schemas.microsoft.com/office/drawing/2014/main" id="{2E7D5EA6-192A-4858-90C9-4C19A2843623}"/>
+              </a:ext>
+            </a:extLst>
+          </p:cNvPr>
+          <p:cNvPicPr>
+            <a:picLocks noChangeAspect="1" noChangeArrowheads="1"/>
+          </p:cNvPicPr>
+          <p:nvPr/>
+        </p:nvPicPr>
+        <p:blipFill>
+          <a:blip r:embed="rId5" cstate="hqprint">
+            <a:extLst>
+              <a:ext uri="{28A0092B-C50C-407E-A947-70E740481C1C}">
+                <a14:useLocalDpi xmlns:a14="http://schemas.microsoft.com/office/drawing/2010/main" val="0"/>
+              </a:ext>
+            </a:extLst>
+          </a:blip>
+          <a:srcRect/>
+          <a:stretch>
+            <a:fillRect/>
+          </a:stretch>
+        </p:blipFill>
+        <p:spPr bwMode="auto">
+          <a:xfrm>
+            <a:off x="253046" y="181698"/>
+            <a:ext cx="1978090" cy="782994"/>
+          </a:xfrm>
+          <a:prstGeom prst="rect">
+            <a:avLst/>
+          </a:prstGeom>
+          <a:noFill/>
+          <a:extLst>
+            <a:ext uri="{909E8E84-426E-40DD-AFC4-6F175D3DCCD1}">
+              <a14:hiddenFill xmlns:a14="http://schemas.microsoft.com/office/drawing/2010/main">
+                <a:solidFill>
+                  <a:srgbClr val="FFFFFF"/>
+                </a:solidFill>
+              </a14:hiddenFill>
+            </a:ext>
+          </a:extLst>
+        </p:spPr>
+      </p:pic>
+      <p:pic>
+        <p:nvPicPr>
+          <p:cNvPr id="8" name="Picture 16">
+            <a:extLst>
+              <a:ext uri="{FF2B5EF4-FFF2-40B4-BE49-F238E27FC236}">
+                <a16:creationId xmlns:a16="http://schemas.microsoft.com/office/drawing/2014/main" id="{67C56DFD-0ACE-44CA-BC85-7D65123186C4}"/>
+              </a:ext>
+            </a:extLst>
+          </p:cNvPr>
+          <p:cNvPicPr>
+            <a:picLocks noChangeAspect="1" noChangeArrowheads="1"/>
+          </p:cNvPicPr>
+          <p:nvPr/>
+        </p:nvPicPr>
+        <p:blipFill>
+          <a:blip r:embed="rId6">
+            <a:extLst>
+              <a:ext uri="{28A0092B-C50C-407E-A947-70E740481C1C}">
+                <a14:useLocalDpi xmlns:a14="http://schemas.microsoft.com/office/drawing/2010/main" val="0"/>
+              </a:ext>
+            </a:extLst>
+          </a:blip>
+          <a:srcRect/>
+          <a:stretch>
+            <a:fillRect/>
+          </a:stretch>
+        </p:blipFill>
+        <p:spPr bwMode="auto">
+          <a:xfrm>
+            <a:off x="11224361" y="202692"/>
+            <a:ext cx="762000" cy="762000"/>
+          </a:xfrm>
+          <a:prstGeom prst="rect">
+            <a:avLst/>
+          </a:prstGeom>
+          <a:noFill/>
+          <a:extLst>
+            <a:ext uri="{909E8E84-426E-40DD-AFC4-6F175D3DCCD1}">
+              <a14:hiddenFill xmlns:a14="http://schemas.microsoft.com/office/drawing/2010/main">
+                <a:solidFill>
+                  <a:srgbClr val="FFFFFF"/>
+                </a:solidFill>
+              </a14:hiddenFill>
+            </a:ext>
+          </a:extLst>
+        </p:spPr>
+      </p:pic>
+    </p:spTree>
+    <p:extLst>
+      <p:ext uri="{BB962C8B-B14F-4D97-AF65-F5344CB8AC3E}">
+        <p14:creationId xmlns:p14="http://schemas.microsoft.com/office/powerpoint/2010/main" val="3198535401"/>
+      </p:ext>
+    </p:extLst>
+  </p:cSld>
+  <p:clrMapOvr>
+    <a:masterClrMapping/>
+  </p:clrMapOvr>
+</p:sld>
+</file>
+
+<file path=ppt/slides/slide6.xml><?xml version="1.0" encoding="utf-8"?>
+<p:sld xmlns:a="http://schemas.openxmlformats.org/drawingml/2006/main" xmlns:r="http://schemas.openxmlformats.org/officeDocument/2006/relationships" xmlns:p="http://schemas.openxmlformats.org/presentationml/2006/main">
+  <p:cSld>
+    <p:spTree>
+      <p:nvGrpSpPr>
+        <p:cNvPr id="1" name=""/>
+        <p:cNvGrpSpPr/>
+        <p:nvPr/>
+      </p:nvGrpSpPr>
+      <p:grpSpPr>
+        <a:xfrm>
+          <a:off x="0" y="0"/>
+          <a:ext cx="0" cy="0"/>
+          <a:chOff x="0" y="0"/>
+          <a:chExt cx="0" cy="0"/>
+        </a:xfrm>
+      </p:grpSpPr>
+      <p:sp>
+        <p:nvSpPr>
+          <p:cNvPr id="2" name="Заголовок 1"/>
+          <p:cNvSpPr>
+            <a:spLocks noGrp="1"/>
+          </p:cNvSpPr>
+          <p:nvPr>
+            <p:ph type="title"/>
+          </p:nvPr>
+        </p:nvSpPr>
+        <p:spPr/>
+        <p:txBody>
+          <a:bodyPr/>
+          <a:lstStyle/>
+          <a:p>
+            <a:r>
+              <a:rPr lang="en-US" dirty="0" err="1"/>
+              <a:t>PyQt</a:t>
+            </a:r>
+            <a:endParaRPr lang="ru-RU" dirty="0"/>
+          </a:p>
+        </p:txBody>
+      </p:sp>
+      <p:pic>
+        <p:nvPicPr>
+          <p:cNvPr id="4" name="Рисунок 3"/>
+          <p:cNvPicPr>
+            <a:picLocks noChangeAspect="1"/>
+          </p:cNvPicPr>
+          <p:nvPr/>
+        </p:nvPicPr>
+        <p:blipFill rotWithShape="1">
+          <a:blip r:embed="rId2"/>
+          <a:srcRect l="32917" t="26508" r="41101" b="59841"/>
+          <a:stretch/>
+        </p:blipFill>
+        <p:spPr>
+          <a:xfrm>
+            <a:off x="78875" y="2988128"/>
+            <a:ext cx="3445376" cy="1018222"/>
+          </a:xfrm>
+          <a:prstGeom prst="rect">
+            <a:avLst/>
+          </a:prstGeom>
+        </p:spPr>
+      </p:pic>
+      <p:pic>
+        <p:nvPicPr>
+          <p:cNvPr id="5" name="Рисунок 4"/>
+          <p:cNvPicPr>
+            <a:picLocks noChangeAspect="1"/>
+          </p:cNvPicPr>
+          <p:nvPr/>
+        </p:nvPicPr>
+        <p:blipFill rotWithShape="1">
+          <a:blip r:embed="rId3"/>
+          <a:srcRect l="32649" t="26826" r="41190" b="60476"/>
+          <a:stretch/>
+        </p:blipFill>
+        <p:spPr>
+          <a:xfrm>
+            <a:off x="3976084" y="2988128"/>
+            <a:ext cx="3729240" cy="1018222"/>
+          </a:xfrm>
+          <a:prstGeom prst="rect">
+            <a:avLst/>
+          </a:prstGeom>
+        </p:spPr>
+      </p:pic>
+      <p:pic>
+        <p:nvPicPr>
+          <p:cNvPr id="6" name="Рисунок 5"/>
+          <p:cNvPicPr>
+            <a:picLocks noChangeAspect="1"/>
+          </p:cNvPicPr>
+          <p:nvPr/>
+        </p:nvPicPr>
+        <p:blipFill>
+          <a:blip r:embed="rId4"/>
+          <a:stretch>
+            <a:fillRect/>
+          </a:stretch>
+        </p:blipFill>
+        <p:spPr>
+          <a:xfrm>
+            <a:off x="5446503" y="4501923"/>
+            <a:ext cx="1133475" cy="1133475"/>
+          </a:xfrm>
+          <a:prstGeom prst="rect">
+            <a:avLst/>
+          </a:prstGeom>
+        </p:spPr>
+      </p:pic>
+      <p:pic>
+        <p:nvPicPr>
+          <p:cNvPr id="7" name="Рисунок 6"/>
+          <p:cNvPicPr>
+            <a:picLocks noChangeAspect="1"/>
+          </p:cNvPicPr>
+          <p:nvPr/>
+        </p:nvPicPr>
+        <p:blipFill>
+          <a:blip r:embed="rId5"/>
+          <a:stretch>
+            <a:fillRect/>
+          </a:stretch>
+        </p:blipFill>
+        <p:spPr>
+          <a:xfrm>
+            <a:off x="1187200" y="4501923"/>
+            <a:ext cx="1228725" cy="1285875"/>
+          </a:xfrm>
+          <a:prstGeom prst="rect">
+            <a:avLst/>
+          </a:prstGeom>
+        </p:spPr>
+      </p:pic>
+      <p:pic>
+        <p:nvPicPr>
+          <p:cNvPr id="8" name="Рисунок 7"/>
+          <p:cNvPicPr>
+            <a:picLocks noChangeAspect="1"/>
+          </p:cNvPicPr>
+          <p:nvPr/>
+        </p:nvPicPr>
+        <p:blipFill>
+          <a:blip r:embed="rId6"/>
+          <a:stretch>
+            <a:fillRect/>
+          </a:stretch>
+        </p:blipFill>
+        <p:spPr>
+          <a:xfrm>
+            <a:off x="9003601" y="4305300"/>
+            <a:ext cx="1914525" cy="2228850"/>
+          </a:xfrm>
+          <a:prstGeom prst="rect">
+            <a:avLst/>
+          </a:prstGeom>
+        </p:spPr>
+      </p:pic>
+      <p:pic>
+        <p:nvPicPr>
+          <p:cNvPr id="9" name="Рисунок 8"/>
+          <p:cNvPicPr>
+            <a:picLocks noChangeAspect="1"/>
+          </p:cNvPicPr>
+          <p:nvPr/>
+        </p:nvPicPr>
+        <p:blipFill>
+          <a:blip r:embed="rId7"/>
+          <a:stretch>
+            <a:fillRect/>
+          </a:stretch>
+        </p:blipFill>
+        <p:spPr>
+          <a:xfrm>
+            <a:off x="8157157" y="2988128"/>
+            <a:ext cx="3607414" cy="1018222"/>
+          </a:xfrm>
+          <a:prstGeom prst="rect">
+            <a:avLst/>
+          </a:prstGeom>
+        </p:spPr>
+      </p:pic>
+      <p:pic>
+        <p:nvPicPr>
+          <p:cNvPr id="10" name="Picture 16">
+            <a:extLst>
+              <a:ext uri="{FF2B5EF4-FFF2-40B4-BE49-F238E27FC236}">
+                <a16:creationId xmlns:a16="http://schemas.microsoft.com/office/drawing/2014/main" id="{67C56DFD-0ACE-44CA-BC85-7D65123186C4}"/>
+              </a:ext>
+            </a:extLst>
+          </p:cNvPr>
+          <p:cNvPicPr>
+            <a:picLocks noChangeAspect="1" noChangeArrowheads="1"/>
+          </p:cNvPicPr>
+          <p:nvPr/>
+        </p:nvPicPr>
+        <p:blipFill>
+          <a:blip r:embed="rId8">
+            <a:extLst>
+              <a:ext uri="{28A0092B-C50C-407E-A947-70E740481C1C}">
+                <a14:useLocalDpi xmlns:a14="http://schemas.microsoft.com/office/drawing/2010/main" val="0"/>
+              </a:ext>
+            </a:extLst>
+          </a:blip>
+          <a:srcRect/>
+          <a:stretch>
+            <a:fillRect/>
+          </a:stretch>
+        </p:blipFill>
+        <p:spPr bwMode="auto">
+          <a:xfrm>
+            <a:off x="11224361" y="202692"/>
+            <a:ext cx="762000" cy="762000"/>
+          </a:xfrm>
+          <a:prstGeom prst="rect">
+            <a:avLst/>
+          </a:prstGeom>
+          <a:noFill/>
+          <a:extLst>
+            <a:ext uri="{909E8E84-426E-40DD-AFC4-6F175D3DCCD1}">
+              <a14:hiddenFill xmlns:a14="http://schemas.microsoft.com/office/drawing/2010/main">
+                <a:solidFill>
+                  <a:srgbClr val="FFFFFF"/>
+                </a:solidFill>
+              </a14:hiddenFill>
+            </a:ext>
+          </a:extLst>
+        </p:spPr>
+      </p:pic>
+      <p:pic>
+        <p:nvPicPr>
+          <p:cNvPr id="11" name="Picture 10">
+            <a:extLst>
+              <a:ext uri="{FF2B5EF4-FFF2-40B4-BE49-F238E27FC236}">
+                <a16:creationId xmlns:a16="http://schemas.microsoft.com/office/drawing/2014/main" id="{E63EF46A-8630-4A99-B114-242725BF67EB}"/>
+              </a:ext>
+            </a:extLst>
+          </p:cNvPr>
+          <p:cNvPicPr>
+            <a:picLocks noChangeAspect="1" noChangeArrowheads="1"/>
+          </p:cNvPicPr>
+          <p:nvPr/>
+        </p:nvPicPr>
+        <p:blipFill>
+          <a:blip r:embed="rId9" cstate="hqprint">
+            <a:extLst>
+              <a:ext uri="{28A0092B-C50C-407E-A947-70E740481C1C}">
+                <a14:useLocalDpi xmlns:a14="http://schemas.microsoft.com/office/drawing/2010/main" val="0"/>
+              </a:ext>
+            </a:extLst>
+          </a:blip>
+          <a:srcRect/>
+          <a:stretch>
+            <a:fillRect/>
+          </a:stretch>
+        </p:blipFill>
+        <p:spPr bwMode="auto">
+          <a:xfrm>
+            <a:off x="177901" y="173795"/>
+            <a:ext cx="1117539" cy="819794"/>
+          </a:xfrm>
+          <a:prstGeom prst="rect">
+            <a:avLst/>
+          </a:prstGeom>
+          <a:noFill/>
+          <a:extLst>
+            <a:ext uri="{909E8E84-426E-40DD-AFC4-6F175D3DCCD1}">
+              <a14:hiddenFill xmlns:a14="http://schemas.microsoft.com/office/drawing/2010/main">
+                <a:solidFill>
+                  <a:srgbClr val="FFFFFF"/>
+                </a:solidFill>
+              </a14:hiddenFill>
+            </a:ext>
+          </a:extLst>
+        </p:spPr>
+      </p:pic>
+    </p:spTree>
+    <p:extLst>
+      <p:ext uri="{BB962C8B-B14F-4D97-AF65-F5344CB8AC3E}">
+        <p14:creationId xmlns:p14="http://schemas.microsoft.com/office/powerpoint/2010/main" val="708825867"/>
+      </p:ext>
+    </p:extLst>
+  </p:cSld>
+  <p:clrMapOvr>
+    <a:masterClrMapping/>
+  </p:clrMapOvr>
+</p:sld>
+</file>
+
+<file path=ppt/slides/slide7.xml><?xml version="1.0" encoding="utf-8"?>
+<p:sld xmlns:a="http://schemas.openxmlformats.org/drawingml/2006/main" xmlns:r="http://schemas.openxmlformats.org/officeDocument/2006/relationships" xmlns:p="http://schemas.openxmlformats.org/presentationml/2006/main">
+  <p:cSld>
+    <p:spTree>
+      <p:nvGrpSpPr>
+        <p:cNvPr id="1" name=""/>
+        <p:cNvGrpSpPr/>
+        <p:nvPr/>
+      </p:nvGrpSpPr>
+      <p:grpSpPr>
+        <a:xfrm>
+          <a:off x="0" y="0"/>
+          <a:ext cx="0" cy="0"/>
+          <a:chOff x="0" y="0"/>
+          <a:chExt cx="0" cy="0"/>
+        </a:xfrm>
+      </p:grpSpPr>
+      <p:sp>
+        <p:nvSpPr>
+          <p:cNvPr id="2" name="Заголовок 1"/>
+          <p:cNvSpPr>
+            <a:spLocks noGrp="1"/>
+          </p:cNvSpPr>
+          <p:nvPr>
+            <p:ph type="title"/>
+          </p:nvPr>
+        </p:nvSpPr>
+        <p:spPr/>
+        <p:txBody>
+          <a:bodyPr/>
+          <a:lstStyle/>
+          <a:p>
+            <a:r>
+              <a:rPr lang="en-US" dirty="0"/>
+              <a:t>SQLite</a:t>
+            </a:r>
+            <a:endParaRPr lang="ru-RU" dirty="0"/>
+          </a:p>
+        </p:txBody>
+      </p:sp>
+      <p:pic>
+        <p:nvPicPr>
+          <p:cNvPr id="4" name="Рисунок 3"/>
+          <p:cNvPicPr>
+            <a:picLocks noChangeAspect="1"/>
+          </p:cNvPicPr>
+          <p:nvPr/>
+        </p:nvPicPr>
+        <p:blipFill>
+          <a:blip r:embed="rId2"/>
+          <a:stretch>
+            <a:fillRect/>
+          </a:stretch>
+        </p:blipFill>
+        <p:spPr>
+          <a:xfrm>
+            <a:off x="1059561" y="4981575"/>
+            <a:ext cx="1866900" cy="400050"/>
+          </a:xfrm>
+          <a:prstGeom prst="rect">
+            <a:avLst/>
+          </a:prstGeom>
+        </p:spPr>
+      </p:pic>
+      <p:pic>
+        <p:nvPicPr>
+          <p:cNvPr id="5" name="Рисунок 4"/>
+          <p:cNvPicPr>
+            <a:picLocks noChangeAspect="1"/>
+          </p:cNvPicPr>
+          <p:nvPr/>
+        </p:nvPicPr>
+        <p:blipFill>
+          <a:blip r:embed="rId3"/>
+          <a:stretch>
+            <a:fillRect/>
+          </a:stretch>
+        </p:blipFill>
+        <p:spPr>
+          <a:xfrm>
+            <a:off x="1059561" y="2814635"/>
+            <a:ext cx="3257550" cy="1323975"/>
+          </a:xfrm>
+          <a:prstGeom prst="rect">
+            <a:avLst/>
+          </a:prstGeom>
+        </p:spPr>
+      </p:pic>
+      <p:pic>
+        <p:nvPicPr>
+          <p:cNvPr id="6" name="Рисунок 5"/>
+          <p:cNvPicPr>
+            <a:picLocks noChangeAspect="1"/>
+          </p:cNvPicPr>
+          <p:nvPr/>
+        </p:nvPicPr>
+        <p:blipFill>
+          <a:blip r:embed="rId4"/>
+          <a:stretch>
+            <a:fillRect/>
+          </a:stretch>
+        </p:blipFill>
+        <p:spPr>
+          <a:xfrm>
+            <a:off x="9158286" y="4929187"/>
+            <a:ext cx="1819275" cy="447675"/>
+          </a:xfrm>
+          <a:prstGeom prst="rect">
+            <a:avLst/>
+          </a:prstGeom>
+        </p:spPr>
+      </p:pic>
+      <p:pic>
+        <p:nvPicPr>
+          <p:cNvPr id="7" name="Рисунок 6"/>
+          <p:cNvPicPr>
+            <a:picLocks noChangeAspect="1"/>
+          </p:cNvPicPr>
+          <p:nvPr/>
+        </p:nvPicPr>
+        <p:blipFill>
+          <a:blip r:embed="rId5"/>
+          <a:stretch>
+            <a:fillRect/>
+          </a:stretch>
+        </p:blipFill>
+        <p:spPr>
+          <a:xfrm>
+            <a:off x="7710486" y="2776535"/>
+            <a:ext cx="3267075" cy="1362075"/>
+          </a:xfrm>
+          <a:prstGeom prst="rect">
+            <a:avLst/>
+          </a:prstGeom>
+        </p:spPr>
+      </p:pic>
+      <p:pic>
+        <p:nvPicPr>
+          <p:cNvPr id="8" name="Picture 16">
+            <a:extLst>
+              <a:ext uri="{FF2B5EF4-FFF2-40B4-BE49-F238E27FC236}">
+                <a16:creationId xmlns:a16="http://schemas.microsoft.com/office/drawing/2014/main" id="{67C56DFD-0ACE-44CA-BC85-7D65123186C4}"/>
+              </a:ext>
+            </a:extLst>
+          </p:cNvPr>
+          <p:cNvPicPr>
+            <a:picLocks noChangeAspect="1" noChangeArrowheads="1"/>
+          </p:cNvPicPr>
+          <p:nvPr/>
+        </p:nvPicPr>
+        <p:blipFill>
+          <a:blip r:embed="rId6">
+            <a:extLst>
+              <a:ext uri="{28A0092B-C50C-407E-A947-70E740481C1C}">
+                <a14:useLocalDpi xmlns:a14="http://schemas.microsoft.com/office/drawing/2010/main" val="0"/>
+              </a:ext>
+            </a:extLst>
+          </a:blip>
+          <a:srcRect/>
+          <a:stretch>
+            <a:fillRect/>
+          </a:stretch>
+        </p:blipFill>
+        <p:spPr bwMode="auto">
+          <a:xfrm>
+            <a:off x="11224361" y="202692"/>
+            <a:ext cx="762000" cy="762000"/>
+          </a:xfrm>
+          <a:prstGeom prst="rect">
+            <a:avLst/>
+          </a:prstGeom>
+          <a:noFill/>
+          <a:extLst>
+            <a:ext uri="{909E8E84-426E-40DD-AFC4-6F175D3DCCD1}">
+              <a14:hiddenFill xmlns:a14="http://schemas.microsoft.com/office/drawing/2010/main">
+                <a:solidFill>
+                  <a:srgbClr val="FFFFFF"/>
+                </a:solidFill>
+              </a14:hiddenFill>
+            </a:ext>
+          </a:extLst>
+        </p:spPr>
+      </p:pic>
+      <p:pic>
+        <p:nvPicPr>
+          <p:cNvPr id="9" name="Picture 12">
+            <a:extLst>
+              <a:ext uri="{FF2B5EF4-FFF2-40B4-BE49-F238E27FC236}">
+                <a16:creationId xmlns:a16="http://schemas.microsoft.com/office/drawing/2014/main" id="{697912B5-0DFB-4771-BD70-B05673042374}"/>
+              </a:ext>
+            </a:extLst>
+          </p:cNvPr>
+          <p:cNvPicPr>
+            <a:picLocks noChangeAspect="1" noChangeArrowheads="1"/>
+          </p:cNvPicPr>
+          <p:nvPr/>
+        </p:nvPicPr>
+        <p:blipFill>
+          <a:blip r:embed="rId7">
+            <a:extLst>
+              <a:ext uri="{28A0092B-C50C-407E-A947-70E740481C1C}">
+                <a14:useLocalDpi xmlns:a14="http://schemas.microsoft.com/office/drawing/2010/main" val="0"/>
+              </a:ext>
+            </a:extLst>
+          </a:blip>
+          <a:srcRect/>
+          <a:stretch>
+            <a:fillRect/>
+          </a:stretch>
+        </p:blipFill>
+        <p:spPr bwMode="auto">
+          <a:xfrm>
+            <a:off x="162776" y="202692"/>
+            <a:ext cx="1609725" cy="762000"/>
+          </a:xfrm>
+          <a:prstGeom prst="rect">
+            <a:avLst/>
+          </a:prstGeom>
+          <a:noFill/>
+          <a:extLst>
+            <a:ext uri="{909E8E84-426E-40DD-AFC4-6F175D3DCCD1}">
+              <a14:hiddenFill xmlns:a14="http://schemas.microsoft.com/office/drawing/2010/main">
+                <a:solidFill>
+                  <a:srgbClr val="FFFFFF"/>
+                </a:solidFill>
+              </a14:hiddenFill>
+            </a:ext>
+          </a:extLst>
+        </p:spPr>
+      </p:pic>
+    </p:spTree>
+    <p:extLst>
+      <p:ext uri="{BB962C8B-B14F-4D97-AF65-F5344CB8AC3E}">
+        <p14:creationId xmlns:p14="http://schemas.microsoft.com/office/powerpoint/2010/main" val="3028717762"/>
+      </p:ext>
+    </p:extLst>
+  </p:cSld>
+  <p:clrMapOvr>
+    <a:masterClrMapping/>
+  </p:clrMapOvr>
+</p:sld>
+</file>
+
+<file path=ppt/slides/slide8.xml><?xml version="1.0" encoding="utf-8"?>
+<p:sld xmlns:a="http://schemas.openxmlformats.org/drawingml/2006/main" xmlns:r="http://schemas.openxmlformats.org/officeDocument/2006/relationships" xmlns:p="http://schemas.openxmlformats.org/presentationml/2006/main">
+  <p:cSld>
+    <p:spTree>
+      <p:nvGrpSpPr>
+        <p:cNvPr id="1" name=""/>
+        <p:cNvGrpSpPr/>
+        <p:nvPr/>
+      </p:nvGrpSpPr>
+      <p:grpSpPr>
+        <a:xfrm>
+          <a:off x="0" y="0"/>
+          <a:ext cx="0" cy="0"/>
+          <a:chOff x="0" y="0"/>
+          <a:chExt cx="0" cy="0"/>
+        </a:xfrm>
+      </p:grpSpPr>
+      <p:sp>
+        <p:nvSpPr>
+          <p:cNvPr id="2" name="Заголовок 1"/>
+          <p:cNvSpPr>
+            <a:spLocks noGrp="1"/>
+          </p:cNvSpPr>
+          <p:nvPr>
+            <p:ph type="title"/>
+          </p:nvPr>
+        </p:nvSpPr>
+        <p:spPr/>
+        <p:txBody>
+          <a:bodyPr/>
+          <a:lstStyle/>
+          <a:p>
+            <a:r>
+              <a:rPr lang="en-US" dirty="0" err="1" smtClean="0"/>
+              <a:t>Tkinter</a:t>
+            </a:r>
+            <a:endParaRPr lang="ru-RU" dirty="0"/>
+          </a:p>
+        </p:txBody>
+      </p:sp>
+      <p:pic>
+        <p:nvPicPr>
+          <p:cNvPr id="4" name="Рисунок 3"/>
+          <p:cNvPicPr/>
+          <p:nvPr/>
+        </p:nvPicPr>
+        <p:blipFill>
+          <a:blip r:embed="rId2">
+            <a:extLst>
+              <a:ext uri="{28A0092B-C50C-407E-A947-70E740481C1C}">
+                <a14:useLocalDpi xmlns:a14="http://schemas.microsoft.com/office/drawing/2010/main" val="0"/>
+              </a:ext>
+            </a:extLst>
+          </a:blip>
+          <a:stretch>
+            <a:fillRect/>
+          </a:stretch>
+        </p:blipFill>
+        <p:spPr>
+          <a:xfrm>
+            <a:off x="323850" y="2671762"/>
+            <a:ext cx="2971800" cy="3152775"/>
+          </a:xfrm>
+          <a:prstGeom prst="rect">
+            <a:avLst/>
+          </a:prstGeom>
+        </p:spPr>
+      </p:pic>
+      <p:pic>
+        <p:nvPicPr>
+          <p:cNvPr id="5" name="Рисунок 4"/>
+          <p:cNvPicPr/>
+          <p:nvPr/>
+        </p:nvPicPr>
+        <p:blipFill>
+          <a:blip r:embed="rId3">
+            <a:extLst>
+              <a:ext uri="{28A0092B-C50C-407E-A947-70E740481C1C}">
+                <a14:useLocalDpi xmlns:a14="http://schemas.microsoft.com/office/drawing/2010/main" val="0"/>
+              </a:ext>
+            </a:extLst>
+          </a:blip>
+          <a:stretch>
+            <a:fillRect/>
+          </a:stretch>
+        </p:blipFill>
+        <p:spPr>
+          <a:xfrm>
+            <a:off x="4081462" y="2671762"/>
+            <a:ext cx="2924175" cy="3171825"/>
+          </a:xfrm>
+          <a:prstGeom prst="rect">
+            <a:avLst/>
+          </a:prstGeom>
+        </p:spPr>
+      </p:pic>
+      <p:pic>
+        <p:nvPicPr>
+          <p:cNvPr id="6" name="Рисунок 5"/>
+          <p:cNvPicPr/>
+          <p:nvPr/>
+        </p:nvPicPr>
+        <p:blipFill>
+          <a:blip r:embed="rId4">
+            <a:extLst>
+              <a:ext uri="{28A0092B-C50C-407E-A947-70E740481C1C}">
+                <a14:useLocalDpi xmlns:a14="http://schemas.microsoft.com/office/drawing/2010/main" val="0"/>
+              </a:ext>
+            </a:extLst>
+          </a:blip>
+          <a:stretch>
+            <a:fillRect/>
+          </a:stretch>
+        </p:blipFill>
+        <p:spPr>
+          <a:xfrm>
+            <a:off x="7148513" y="3776661"/>
+            <a:ext cx="4872038" cy="942976"/>
+          </a:xfrm>
+          <a:prstGeom prst="rect">
+            <a:avLst/>
+          </a:prstGeom>
+        </p:spPr>
+      </p:pic>
+      <p:pic>
+        <p:nvPicPr>
+          <p:cNvPr id="7" name="Picture 16">
+            <a:extLst>
+              <a:ext uri="{FF2B5EF4-FFF2-40B4-BE49-F238E27FC236}">
+                <a16:creationId xmlns:a16="http://schemas.microsoft.com/office/drawing/2014/main" id="{67C56DFD-0ACE-44CA-BC85-7D65123186C4}"/>
+              </a:ext>
+            </a:extLst>
+          </p:cNvPr>
+          <p:cNvPicPr>
+            <a:picLocks noChangeAspect="1" noChangeArrowheads="1"/>
+          </p:cNvPicPr>
+          <p:nvPr/>
+        </p:nvPicPr>
+        <p:blipFill>
+          <a:blip r:embed="rId5">
+            <a:extLst>
+              <a:ext uri="{28A0092B-C50C-407E-A947-70E740481C1C}">
+                <a14:useLocalDpi xmlns:a14="http://schemas.microsoft.com/office/drawing/2010/main" val="0"/>
+              </a:ext>
+            </a:extLst>
+          </a:blip>
+          <a:srcRect/>
+          <a:stretch>
+            <a:fillRect/>
+          </a:stretch>
+        </p:blipFill>
+        <p:spPr bwMode="auto">
+          <a:xfrm>
+            <a:off x="11224361" y="202692"/>
+            <a:ext cx="762000" cy="762000"/>
+          </a:xfrm>
+          <a:prstGeom prst="rect">
+            <a:avLst/>
+          </a:prstGeom>
+          <a:noFill/>
+          <a:extLst>
+            <a:ext uri="{909E8E84-426E-40DD-AFC4-6F175D3DCCD1}">
+              <a14:hiddenFill xmlns:a14="http://schemas.microsoft.com/office/drawing/2010/main">
+                <a:solidFill>
+                  <a:srgbClr val="FFFFFF"/>
+                </a:solidFill>
+              </a14:hiddenFill>
+            </a:ext>
+          </a:extLst>
+        </p:spPr>
+      </p:pic>
+      <p:pic>
+        <p:nvPicPr>
+          <p:cNvPr id="8" name="Picture 14">
+            <a:extLst>
+              <a:ext uri="{FF2B5EF4-FFF2-40B4-BE49-F238E27FC236}">
+                <a16:creationId xmlns:a16="http://schemas.microsoft.com/office/drawing/2014/main" id="{73C5346E-B9A0-4EF7-B433-7BFADD4F72D6}"/>
+              </a:ext>
+            </a:extLst>
+          </p:cNvPr>
+          <p:cNvPicPr>
+            <a:picLocks noChangeAspect="1" noChangeArrowheads="1"/>
+          </p:cNvPicPr>
+          <p:nvPr/>
+        </p:nvPicPr>
+        <p:blipFill>
+          <a:blip r:embed="rId6" cstate="hqprint">
+            <a:extLst>
+              <a:ext uri="{28A0092B-C50C-407E-A947-70E740481C1C}">
+                <a14:useLocalDpi xmlns:a14="http://schemas.microsoft.com/office/drawing/2010/main" val="0"/>
+              </a:ext>
+            </a:extLst>
+          </a:blip>
+          <a:srcRect/>
+          <a:stretch>
+            <a:fillRect/>
+          </a:stretch>
+        </p:blipFill>
+        <p:spPr bwMode="auto">
+          <a:xfrm>
+            <a:off x="186131" y="80396"/>
+            <a:ext cx="1117539" cy="1006592"/>
+          </a:xfrm>
+          <a:prstGeom prst="rect">
+            <a:avLst/>
+          </a:prstGeom>
+          <a:noFill/>
+          <a:extLst>
+            <a:ext uri="{909E8E84-426E-40DD-AFC4-6F175D3DCCD1}">
+              <a14:hiddenFill xmlns:a14="http://schemas.microsoft.com/office/drawing/2010/main">
+                <a:solidFill>
+                  <a:srgbClr val="FFFFFF"/>
+                </a:solidFill>
+              </a14:hiddenFill>
+            </a:ext>
+          </a:extLst>
+        </p:spPr>
+      </p:pic>
+    </p:spTree>
+    <p:extLst>
+      <p:ext uri="{BB962C8B-B14F-4D97-AF65-F5344CB8AC3E}">
+        <p14:creationId xmlns:p14="http://schemas.microsoft.com/office/powerpoint/2010/main" val="305467371"/>
+      </p:ext>
+    </p:extLst>
+  </p:cSld>
+  <p:clrMapOvr>
+    <a:masterClrMapping/>
+  </p:clrMapOvr>
+</p:sld>
+</file>
+
+<file path=ppt/slides/slide9.xml><?xml version="1.0" encoding="utf-8"?>
+<p:sld xmlns:a="http://schemas.openxmlformats.org/drawingml/2006/main" xmlns:r="http://schemas.openxmlformats.org/officeDocument/2006/relationships" xmlns:p="http://schemas.openxmlformats.org/presentationml/2006/main">
+  <p:cSld>
+    <p:spTree>
+      <p:nvGrpSpPr>
+        <p:cNvPr id="1" name=""/>
+        <p:cNvGrpSpPr/>
+        <p:nvPr/>
+      </p:nvGrpSpPr>
+      <p:grpSpPr>
+        <a:xfrm>
+          <a:off x="0" y="0"/>
+          <a:ext cx="0" cy="0"/>
+          <a:chOff x="0" y="0"/>
+          <a:chExt cx="0" cy="0"/>
+        </a:xfrm>
+      </p:grpSpPr>
+      <p:sp>
+        <p:nvSpPr>
+          <p:cNvPr id="2" name="Заголовок 1"/>
+          <p:cNvSpPr>
+            <a:spLocks noGrp="1"/>
+          </p:cNvSpPr>
+          <p:nvPr>
+            <p:ph type="title"/>
+          </p:nvPr>
+        </p:nvSpPr>
+        <p:spPr/>
+        <p:txBody>
+          <a:bodyPr/>
+          <a:lstStyle/>
+          <a:p>
+            <a:r>
+              <a:rPr lang="ru-RU" dirty="0" smtClean="0"/>
+              <a:t>ПРОЕКТ</a:t>
+            </a:r>
+            <a:endParaRPr lang="ru-RU" dirty="0"/>
+          </a:p>
+        </p:txBody>
+      </p:sp>
+      <p:pic>
+        <p:nvPicPr>
+          <p:cNvPr id="5" name="Рисунок 4"/>
+          <p:cNvPicPr/>
+          <p:nvPr/>
+        </p:nvPicPr>
+        <p:blipFill>
+          <a:blip r:embed="rId2"/>
+          <a:stretch>
+            <a:fillRect/>
+          </a:stretch>
+        </p:blipFill>
+        <p:spPr>
+          <a:xfrm>
+            <a:off x="336672" y="2755289"/>
+            <a:ext cx="3095625" cy="2543175"/>
+          </a:xfrm>
+          <a:prstGeom prst="rect">
+            <a:avLst/>
+          </a:prstGeom>
+        </p:spPr>
+      </p:pic>
+      <p:pic>
+        <p:nvPicPr>
+          <p:cNvPr id="6" name="Рисунок 5"/>
+          <p:cNvPicPr/>
+          <p:nvPr/>
+        </p:nvPicPr>
+        <p:blipFill>
+          <a:blip r:embed="rId3"/>
+          <a:stretch>
+            <a:fillRect/>
+          </a:stretch>
+        </p:blipFill>
+        <p:spPr>
+          <a:xfrm>
+            <a:off x="4030541" y="2755289"/>
+            <a:ext cx="3638550" cy="1819275"/>
+          </a:xfrm>
+          <a:prstGeom prst="rect">
+            <a:avLst/>
+          </a:prstGeom>
+        </p:spPr>
+      </p:pic>
+      <p:pic>
+        <p:nvPicPr>
+          <p:cNvPr id="7" name="Рисунок 6"/>
+          <p:cNvPicPr/>
+          <p:nvPr/>
+        </p:nvPicPr>
+        <p:blipFill>
+          <a:blip r:embed="rId4"/>
+          <a:stretch>
+            <a:fillRect/>
+          </a:stretch>
+        </p:blipFill>
+        <p:spPr>
+          <a:xfrm>
+            <a:off x="8190767" y="2755289"/>
+            <a:ext cx="3371850" cy="3724275"/>
+          </a:xfrm>
+          <a:prstGeom prst="rect">
+            <a:avLst/>
+          </a:prstGeom>
+        </p:spPr>
+      </p:pic>
+      <p:pic>
+        <p:nvPicPr>
+          <p:cNvPr id="8" name="Рисунок 7"/>
+          <p:cNvPicPr/>
+          <p:nvPr/>
+        </p:nvPicPr>
+        <p:blipFill>
+          <a:blip r:embed="rId5"/>
+          <a:stretch>
+            <a:fillRect/>
+          </a:stretch>
+        </p:blipFill>
+        <p:spPr>
+          <a:xfrm>
+            <a:off x="4554232" y="4667250"/>
+            <a:ext cx="2514600" cy="2190750"/>
+          </a:xfrm>
+          <a:prstGeom prst="rect">
+            <a:avLst/>
+          </a:prstGeom>
+        </p:spPr>
+      </p:pic>
+      <p:pic>
+        <p:nvPicPr>
+          <p:cNvPr id="9" name="Picture 16">
+            <a:extLst>
+              <a:ext uri="{FF2B5EF4-FFF2-40B4-BE49-F238E27FC236}">
+                <a16:creationId xmlns:a16="http://schemas.microsoft.com/office/drawing/2014/main" id="{67C56DFD-0ACE-44CA-BC85-7D65123186C4}"/>
+              </a:ext>
+            </a:extLst>
+          </p:cNvPr>
+          <p:cNvPicPr>
+            <a:picLocks noChangeAspect="1" noChangeArrowheads="1"/>
+          </p:cNvPicPr>
+          <p:nvPr/>
+        </p:nvPicPr>
+        <p:blipFill>
+          <a:blip r:embed="rId6">
+            <a:extLst>
+              <a:ext uri="{28A0092B-C50C-407E-A947-70E740481C1C}">
+                <a14:useLocalDpi xmlns:a14="http://schemas.microsoft.com/office/drawing/2010/main" val="0"/>
+              </a:ext>
+            </a:extLst>
+          </a:blip>
+          <a:srcRect/>
+          <a:stretch>
+            <a:fillRect/>
+          </a:stretch>
+        </p:blipFill>
+        <p:spPr bwMode="auto">
+          <a:xfrm>
+            <a:off x="11224361" y="202692"/>
+            <a:ext cx="762000" cy="762000"/>
+          </a:xfrm>
+          <a:prstGeom prst="rect">
+            <a:avLst/>
+          </a:prstGeom>
+          <a:noFill/>
+          <a:extLst>
+            <a:ext uri="{909E8E84-426E-40DD-AFC4-6F175D3DCCD1}">
+              <a14:hiddenFill xmlns:a14="http://schemas.microsoft.com/office/drawing/2010/main">
+                <a:solidFill>
+                  <a:srgbClr val="FFFFFF"/>
+                </a:solidFill>
+              </a14:hiddenFill>
+            </a:ext>
+          </a:extLst>
+        </p:spPr>
+      </p:pic>
+      <p:pic>
+        <p:nvPicPr>
+          <p:cNvPr id="11" name="Picture 14">
+            <a:extLst>
+              <a:ext uri="{FF2B5EF4-FFF2-40B4-BE49-F238E27FC236}">
+                <a16:creationId xmlns:a16="http://schemas.microsoft.com/office/drawing/2014/main" id="{73C5346E-B9A0-4EF7-B433-7BFADD4F72D6}"/>
+              </a:ext>
+            </a:extLst>
+          </p:cNvPr>
+          <p:cNvPicPr>
+            <a:picLocks noChangeAspect="1" noChangeArrowheads="1"/>
+          </p:cNvPicPr>
+          <p:nvPr/>
+        </p:nvPicPr>
+        <p:blipFill>
+          <a:blip r:embed="rId7" cstate="hqprint">
+            <a:extLst>
+              <a:ext uri="{28A0092B-C50C-407E-A947-70E740481C1C}">
+                <a14:useLocalDpi xmlns:a14="http://schemas.microsoft.com/office/drawing/2010/main" val="0"/>
+              </a:ext>
+            </a:extLst>
+          </a:blip>
+          <a:srcRect/>
+          <a:stretch>
+            <a:fillRect/>
+          </a:stretch>
+        </p:blipFill>
+        <p:spPr bwMode="auto">
+          <a:xfrm>
+            <a:off x="186131" y="80396"/>
+            <a:ext cx="1117539" cy="1006592"/>
+          </a:xfrm>
+          <a:prstGeom prst="rect">
+            <a:avLst/>
+          </a:prstGeom>
+          <a:noFill/>
+          <a:extLst>
+            <a:ext uri="{909E8E84-426E-40DD-AFC4-6F175D3DCCD1}">
+              <a14:hiddenFill xmlns:a14="http://schemas.microsoft.com/office/drawing/2010/main">
+                <a:solidFill>
+                  <a:srgbClr val="FFFFFF"/>
+                </a:solidFill>
+              </a14:hiddenFill>
+            </a:ext>
+          </a:extLst>
+        </p:spPr>
+      </p:pic>
+      <p:pic>
+        <p:nvPicPr>
+          <p:cNvPr id="12" name="Picture 12">
+            <a:extLst>
+              <a:ext uri="{FF2B5EF4-FFF2-40B4-BE49-F238E27FC236}">
+                <a16:creationId xmlns:a16="http://schemas.microsoft.com/office/drawing/2014/main" id="{697912B5-0DFB-4771-BD70-B05673042374}"/>
+              </a:ext>
+            </a:extLst>
+          </p:cNvPr>
+          <p:cNvPicPr>
+            <a:picLocks noChangeAspect="1" noChangeArrowheads="1"/>
+          </p:cNvPicPr>
+          <p:nvPr/>
+        </p:nvPicPr>
+        <p:blipFill>
+          <a:blip r:embed="rId8">
+            <a:extLst>
+              <a:ext uri="{28A0092B-C50C-407E-A947-70E740481C1C}">
+                <a14:useLocalDpi xmlns:a14="http://schemas.microsoft.com/office/drawing/2010/main" val="0"/>
+              </a:ext>
+            </a:extLst>
+          </a:blip>
+          <a:srcRect/>
+          <a:stretch>
+            <a:fillRect/>
+          </a:stretch>
+        </p:blipFill>
+        <p:spPr bwMode="auto">
+          <a:xfrm>
+            <a:off x="186131" y="1311351"/>
+            <a:ext cx="1609725" cy="762000"/>
+          </a:xfrm>
+          <a:prstGeom prst="rect">
+            <a:avLst/>
+          </a:prstGeom>
+          <a:noFill/>
+          <a:extLst>
+            <a:ext uri="{909E8E84-426E-40DD-AFC4-6F175D3DCCD1}">
+              <a14:hiddenFill xmlns:a14="http://schemas.microsoft.com/office/drawing/2010/main">
+                <a:solidFill>
+                  <a:srgbClr val="FFFFFF"/>
+                </a:solidFill>
+              </a14:hiddenFill>
+            </a:ext>
+          </a:extLst>
+        </p:spPr>
+      </p:pic>
+    </p:spTree>
+    <p:extLst>
+      <p:ext uri="{BB962C8B-B14F-4D97-AF65-F5344CB8AC3E}">
+        <p14:creationId xmlns:p14="http://schemas.microsoft.com/office/powerpoint/2010/main" val="1100464057"/>
       </p:ext>
     </p:extLst>
   </p:cSld>
